--- a/Лекция 14 19_05_2021.pptx
+++ b/Лекция 14 19_05_2021.pptx
@@ -5,7 +5,7 @@
     <p:sldMasterId id="2147483648" r:id="rId1"/>
   </p:sldMasterIdLst>
   <p:notesMasterIdLst>
-    <p:notesMasterId r:id="rId47"/>
+    <p:notesMasterId r:id="rId52"/>
   </p:notesMasterIdLst>
   <p:sldIdLst>
     <p:sldId id="256" r:id="rId2"/>
@@ -45,14 +45,19 @@
     <p:sldId id="387" r:id="rId36"/>
     <p:sldId id="388" r:id="rId37"/>
     <p:sldId id="360" r:id="rId38"/>
-    <p:sldId id="362" r:id="rId39"/>
-    <p:sldId id="363" r:id="rId40"/>
-    <p:sldId id="358" r:id="rId41"/>
-    <p:sldId id="350" r:id="rId42"/>
-    <p:sldId id="356" r:id="rId43"/>
-    <p:sldId id="259" r:id="rId44"/>
-    <p:sldId id="260" r:id="rId45"/>
-    <p:sldId id="347" r:id="rId46"/>
+    <p:sldId id="363" r:id="rId39"/>
+    <p:sldId id="389" r:id="rId40"/>
+    <p:sldId id="390" r:id="rId41"/>
+    <p:sldId id="391" r:id="rId42"/>
+    <p:sldId id="259" r:id="rId43"/>
+    <p:sldId id="260" r:id="rId44"/>
+    <p:sldId id="347" r:id="rId45"/>
+    <p:sldId id="392" r:id="rId46"/>
+    <p:sldId id="393" r:id="rId47"/>
+    <p:sldId id="394" r:id="rId48"/>
+    <p:sldId id="395" r:id="rId49"/>
+    <p:sldId id="396" r:id="rId50"/>
+    <p:sldId id="397" r:id="rId51"/>
   </p:sldIdLst>
   <p:sldSz cx="12192000" cy="6858000"/>
   <p:notesSz cx="6858000" cy="9144000"/>
@@ -3448,7 +3453,6 @@
               <a:rPr lang="ru-RU" sz="4000" dirty="0" smtClean="0"/>
               <a:t>Обучение с подкреплением.</a:t>
             </a:r>
-            <a:endParaRPr lang="ru-RU" sz="4000" dirty="0" smtClean="0"/>
           </a:p>
           <a:p>
             <a:endParaRPr lang="ru-RU" dirty="0" smtClean="0"/>
@@ -3575,11 +3579,7 @@
           <a:p>
             <a:r>
               <a:rPr lang="ru-RU" dirty="0" smtClean="0"/>
-              <a:t>избегать действий, ведущих к наказани</a:t>
-            </a:r>
-            <a:r>
-              <a:rPr lang="ru-RU" dirty="0" smtClean="0"/>
-              <a:t>ю.</a:t>
+              <a:t>избегать действий, ведущих к наказанию.</a:t>
             </a:r>
             <a:endParaRPr lang="ru-RU" dirty="0"/>
           </a:p>
@@ -3930,15 +3930,15 @@
           <a:lstStyle/>
           <a:p>
             <a:r>
-              <a:rPr lang="ru-RU" smtClean="0"/>
+              <a:rPr lang="ru-RU" dirty="0" smtClean="0"/>
               <a:t>Обучение с подкреплением</a:t>
             </a:r>
             <a:endParaRPr lang="ru-RU" dirty="0"/>
           </a:p>
         </p:txBody>
       </p:sp>
-      <mc:AlternateContent xmlns:mc="http://schemas.openxmlformats.org/markup-compatibility/2006">
-        <mc:Choice xmlns:a14="http://schemas.microsoft.com/office/drawing/2010/main" Requires="a14">
+      <mc:AlternateContent xmlns:mc="http://schemas.openxmlformats.org/markup-compatibility/2006" xmlns:a14="http://schemas.microsoft.com/office/drawing/2010/main">
+        <mc:Choice Requires="a14">
           <p:sp>
             <p:nvSpPr>
               <p:cNvPr id="3" name="Объект 2"/>
@@ -4445,7 +4445,7 @@
             </p:txBody>
           </p:sp>
         </mc:Choice>
-        <mc:Fallback>
+        <mc:Fallback xmlns="">
           <p:sp>
             <p:nvSpPr>
               <p:cNvPr id="3" name="Объект 2"/>
@@ -4540,8 +4540,8 @@
           </a:p>
         </p:txBody>
       </p:sp>
-      <mc:AlternateContent xmlns:mc="http://schemas.openxmlformats.org/markup-compatibility/2006">
-        <mc:Choice xmlns:a14="http://schemas.microsoft.com/office/drawing/2010/main" Requires="a14">
+      <mc:AlternateContent xmlns:mc="http://schemas.openxmlformats.org/markup-compatibility/2006" xmlns:a14="http://schemas.microsoft.com/office/drawing/2010/main">
+        <mc:Choice Requires="a14">
           <p:sp>
             <p:nvSpPr>
               <p:cNvPr id="3" name="Объект 2"/>
@@ -4765,7 +4765,7 @@
             </p:txBody>
           </p:sp>
         </mc:Choice>
-        <mc:Fallback>
+        <mc:Fallback xmlns="">
           <p:sp>
             <p:nvSpPr>
               <p:cNvPr id="3" name="Объект 2"/>
@@ -5596,8 +5596,8 @@
           </a:p>
         </p:txBody>
       </p:sp>
-      <mc:AlternateContent xmlns:mc="http://schemas.openxmlformats.org/markup-compatibility/2006">
-        <mc:Choice xmlns:a14="http://schemas.microsoft.com/office/drawing/2010/main" Requires="a14">
+      <mc:AlternateContent xmlns:mc="http://schemas.openxmlformats.org/markup-compatibility/2006" xmlns:a14="http://schemas.microsoft.com/office/drawing/2010/main">
+        <mc:Choice Requires="a14">
           <p:sp>
             <p:nvSpPr>
               <p:cNvPr id="3" name="Объект 2"/>
@@ -5766,7 +5766,7 @@
             </p:txBody>
           </p:sp>
         </mc:Choice>
-        <mc:Fallback>
+        <mc:Fallback xmlns="">
           <p:sp>
             <p:nvSpPr>
               <p:cNvPr id="3" name="Объект 2"/>
@@ -6258,22 +6258,52 @@
           <a:p>
             <a:r>
               <a:rPr lang="ru-RU" dirty="0" smtClean="0"/>
-              <a:t>Обучение с подкреплением.</a:t>
-            </a:r>
-          </a:p>
-          <a:p>
+              <a:t>Обучение с подкреплением</a:t>
+            </a:r>
             <a:r>
               <a:rPr lang="ru-RU" dirty="0" smtClean="0"/>
-              <a:t>Онтологии.</a:t>
-            </a:r>
-            <a:endParaRPr lang="en-US" dirty="0" smtClean="0"/>
-          </a:p>
-          <a:p>
+              <a:t>.</a:t>
+            </a:r>
+          </a:p>
+          <a:p>
+            <a:pPr lvl="1"/>
             <a:r>
               <a:rPr lang="ru-RU" dirty="0" smtClean="0"/>
-              <a:t>Графы знаний.</a:t>
-            </a:r>
-            <a:endParaRPr lang="ru-RU" dirty="0"/>
+              <a:t>Динамическое программирование</a:t>
+            </a:r>
+          </a:p>
+          <a:p>
+            <a:pPr lvl="1"/>
+            <a:r>
+              <a:rPr lang="ru-RU" dirty="0" smtClean="0"/>
+              <a:t>Метод Монте-Карло</a:t>
+            </a:r>
+          </a:p>
+          <a:p>
+            <a:pPr lvl="1"/>
+            <a:r>
+              <a:rPr lang="en-US" dirty="0" smtClean="0"/>
+              <a:t>SARSA</a:t>
+            </a:r>
+          </a:p>
+          <a:p>
+            <a:pPr lvl="1"/>
+            <a:r>
+              <a:rPr lang="en-US" dirty="0" smtClean="0"/>
+              <a:t>Q</a:t>
+            </a:r>
+            <a:r>
+              <a:rPr lang="ru-RU" dirty="0" smtClean="0"/>
+              <a:t>-обучение</a:t>
+            </a:r>
+          </a:p>
+          <a:p>
+            <a:pPr lvl="1"/>
+            <a:r>
+              <a:rPr lang="en-US" dirty="0" err="1" smtClean="0"/>
+              <a:t>DQN</a:t>
+            </a:r>
+            <a:endParaRPr lang="ru-RU" dirty="0" smtClean="0"/>
           </a:p>
         </p:txBody>
       </p:sp>
@@ -6335,7 +6365,6 @@
               <a:rPr lang="ru-RU" sz="3600" dirty="0"/>
               <a:t>Динамическое программирование</a:t>
             </a:r>
-            <a:endParaRPr lang="ru-RU" sz="3600" dirty="0"/>
           </a:p>
         </p:txBody>
       </p:sp>
@@ -6453,12 +6482,11 @@
               <a:rPr lang="ru-RU" sz="3600" dirty="0"/>
               <a:t>Динамическое программирование</a:t>
             </a:r>
-            <a:endParaRPr lang="ru-RU" sz="3600" dirty="0"/>
           </a:p>
         </p:txBody>
       </p:sp>
-      <mc:AlternateContent xmlns:mc="http://schemas.openxmlformats.org/markup-compatibility/2006">
-        <mc:Choice xmlns:a14="http://schemas.microsoft.com/office/drawing/2010/main" Requires="a14">
+      <mc:AlternateContent xmlns:mc="http://schemas.openxmlformats.org/markup-compatibility/2006" xmlns:a14="http://schemas.microsoft.com/office/drawing/2010/main">
+        <mc:Choice Requires="a14">
           <p:sp>
             <p:nvSpPr>
               <p:cNvPr id="3" name="Объект 2"/>
@@ -6555,7 +6583,6 @@
                   <a:rPr lang="ru-RU" dirty="0" smtClean="0"/>
                   <a:t>.</a:t>
                 </a:r>
-                <a:endParaRPr lang="ru-RU" dirty="0" smtClean="0"/>
               </a:p>
               <a:p>
                 <a:pPr marL="514350" indent="-514350">
@@ -6608,7 +6635,7 @@
             </p:txBody>
           </p:sp>
         </mc:Choice>
-        <mc:Fallback>
+        <mc:Fallback xmlns="">
           <p:sp>
             <p:nvSpPr>
               <p:cNvPr id="3" name="Объект 2"/>
@@ -6700,12 +6727,11 @@
               <a:rPr lang="ru-RU" sz="3600" dirty="0"/>
               <a:t>Динамическое программирование</a:t>
             </a:r>
-            <a:endParaRPr lang="ru-RU" sz="3600" dirty="0"/>
           </a:p>
         </p:txBody>
       </p:sp>
-      <mc:AlternateContent xmlns:mc="http://schemas.openxmlformats.org/markup-compatibility/2006">
-        <mc:Choice xmlns:a14="http://schemas.microsoft.com/office/drawing/2010/main" Requires="a14">
+      <mc:AlternateContent xmlns:mc="http://schemas.openxmlformats.org/markup-compatibility/2006" xmlns:a14="http://schemas.microsoft.com/office/drawing/2010/main">
+        <mc:Choice Requires="a14">
           <p:sp>
             <p:nvSpPr>
               <p:cNvPr id="3" name="Объект 2"/>
@@ -7019,7 +7045,7 @@
             </p:txBody>
           </p:sp>
         </mc:Choice>
-        <mc:Fallback>
+        <mc:Fallback xmlns="">
           <p:sp>
             <p:nvSpPr>
               <p:cNvPr id="3" name="Объект 2"/>
@@ -7111,7 +7137,6 @@
               <a:rPr lang="ru-RU" sz="3600" dirty="0"/>
               <a:t>Динамическое программирование</a:t>
             </a:r>
-            <a:endParaRPr lang="ru-RU" sz="3600" dirty="0"/>
           </a:p>
         </p:txBody>
       </p:sp>
@@ -7214,8 +7239,8 @@
           </a:p>
         </p:txBody>
       </p:sp>
-      <mc:AlternateContent xmlns:mc="http://schemas.openxmlformats.org/markup-compatibility/2006">
-        <mc:Choice xmlns:a14="http://schemas.microsoft.com/office/drawing/2010/main" Requires="a14">
+      <mc:AlternateContent xmlns:mc="http://schemas.openxmlformats.org/markup-compatibility/2006" xmlns:a14="http://schemas.microsoft.com/office/drawing/2010/main">
+        <mc:Choice Requires="a14">
           <p:sp>
             <p:nvSpPr>
               <p:cNvPr id="3" name="Объект 2"/>
@@ -7378,28 +7403,24 @@
                 <a:endParaRPr lang="ru-RU" dirty="0"/>
               </a:p>
               <a:p>
-                <a:pPr/>
                 <a:r>
                   <a:rPr lang="ru-RU" dirty="0" smtClean="0"/>
                   <a:t>Анализируем имеющийся опыт</a:t>
                 </a:r>
               </a:p>
               <a:p>
-                <a:pPr/>
                 <a:r>
                   <a:rPr lang="ru-RU" dirty="0" smtClean="0"/>
                   <a:t>Вычисляем среднее наблюдаемое значение</a:t>
                 </a:r>
               </a:p>
               <a:p>
-                <a:pPr/>
                 <a:r>
                   <a:rPr lang="ru-RU" dirty="0" smtClean="0"/>
                   <a:t>Считаем это значение приближением ожидаемого значения.</a:t>
                 </a:r>
               </a:p>
               <a:p>
-                <a:pPr/>
                 <a:endParaRPr lang="ru-RU" dirty="0"/>
               </a:p>
               <a:p>
@@ -7415,7 +7436,7 @@
             </p:txBody>
           </p:sp>
         </mc:Choice>
-        <mc:Fallback>
+        <mc:Fallback xmlns="">
           <p:sp>
             <p:nvSpPr>
               <p:cNvPr id="3" name="Объект 2"/>
@@ -7511,8 +7532,8 @@
           </a:p>
         </p:txBody>
       </p:sp>
-      <mc:AlternateContent xmlns:mc="http://schemas.openxmlformats.org/markup-compatibility/2006">
-        <mc:Choice xmlns:a14="http://schemas.microsoft.com/office/drawing/2010/main" Requires="a14">
+      <mc:AlternateContent xmlns:mc="http://schemas.openxmlformats.org/markup-compatibility/2006" xmlns:a14="http://schemas.microsoft.com/office/drawing/2010/main">
+        <mc:Choice Requires="a14">
           <p:sp>
             <p:nvSpPr>
               <p:cNvPr id="3" name="Объект 2"/>
@@ -7880,7 +7901,7 @@
             </p:txBody>
           </p:sp>
         </mc:Choice>
-        <mc:Fallback>
+        <mc:Fallback xmlns="">
           <p:sp>
             <p:nvSpPr>
               <p:cNvPr id="3" name="Объект 2"/>
@@ -7976,8 +7997,8 @@
           </a:p>
         </p:txBody>
       </p:sp>
-      <mc:AlternateContent xmlns:mc="http://schemas.openxmlformats.org/markup-compatibility/2006">
-        <mc:Choice xmlns:a14="http://schemas.microsoft.com/office/drawing/2010/main" Requires="a14">
+      <mc:AlternateContent xmlns:mc="http://schemas.openxmlformats.org/markup-compatibility/2006" xmlns:a14="http://schemas.microsoft.com/office/drawing/2010/main">
+        <mc:Choice Requires="a14">
           <p:sp>
             <p:nvSpPr>
               <p:cNvPr id="3" name="Объект 2"/>
@@ -8366,13 +8387,7 @@
                                 <a:rPr lang="en-US" b="0" i="1" smtClean="0">
                                   <a:latin typeface="Cambria Math" panose="02040503050406030204" pitchFamily="18" charset="0"/>
                                 </a:rPr>
-                                <m:t>1</m:t>
-                              </m:r>
-                              <m:r>
-                                <a:rPr lang="en-US" b="0" i="1" smtClean="0">
-                                  <a:latin typeface="Cambria Math" panose="02040503050406030204" pitchFamily="18" charset="0"/>
-                                </a:rPr>
-                                <m:t>,  </m:t>
+                                <m:t>1,  </m:t>
                               </m:r>
                               <m:r>
                                 <a:rPr lang="en-US" b="0" i="1" smtClean="0">
@@ -8432,7 +8447,7 @@
             </p:txBody>
           </p:sp>
         </mc:Choice>
-        <mc:Fallback>
+        <mc:Fallback xmlns="">
           <p:sp>
             <p:nvSpPr>
               <p:cNvPr id="3" name="Объект 2"/>
@@ -8528,8 +8543,8 @@
           </a:p>
         </p:txBody>
       </p:sp>
-      <mc:AlternateContent xmlns:mc="http://schemas.openxmlformats.org/markup-compatibility/2006">
-        <mc:Choice xmlns:a14="http://schemas.microsoft.com/office/drawing/2010/main" Requires="a14">
+      <mc:AlternateContent xmlns:mc="http://schemas.openxmlformats.org/markup-compatibility/2006" xmlns:a14="http://schemas.microsoft.com/office/drawing/2010/main">
+        <mc:Choice Requires="a14">
           <p:sp>
             <p:nvSpPr>
               <p:cNvPr id="3" name="Объект 2"/>
@@ -9077,7 +9092,7 @@
             </p:txBody>
           </p:sp>
         </mc:Choice>
-        <mc:Fallback>
+        <mc:Fallback xmlns="">
           <p:sp>
             <p:nvSpPr>
               <p:cNvPr id="3" name="Объект 2"/>
@@ -9173,8 +9188,8 @@
           </a:p>
         </p:txBody>
       </p:sp>
-      <mc:AlternateContent xmlns:mc="http://schemas.openxmlformats.org/markup-compatibility/2006">
-        <mc:Choice xmlns:a14="http://schemas.microsoft.com/office/drawing/2010/main" Requires="a14">
+      <mc:AlternateContent xmlns:mc="http://schemas.openxmlformats.org/markup-compatibility/2006" xmlns:a14="http://schemas.microsoft.com/office/drawing/2010/main">
+        <mc:Choice Requires="a14">
           <p:sp>
             <p:nvSpPr>
               <p:cNvPr id="3" name="Объект 2"/>
@@ -9458,7 +9473,7 @@
             </p:txBody>
           </p:sp>
         </mc:Choice>
-        <mc:Fallback>
+        <mc:Fallback xmlns="">
           <p:sp>
             <p:nvSpPr>
               <p:cNvPr id="3" name="Объект 2"/>
@@ -9843,8 +9858,8 @@
           </a:p>
         </p:txBody>
       </p:sp>
-      <mc:AlternateContent xmlns:mc="http://schemas.openxmlformats.org/markup-compatibility/2006">
-        <mc:Choice xmlns:a14="http://schemas.microsoft.com/office/drawing/2010/main" Requires="a14">
+      <mc:AlternateContent xmlns:mc="http://schemas.openxmlformats.org/markup-compatibility/2006" xmlns:a14="http://schemas.microsoft.com/office/drawing/2010/main">
+        <mc:Choice Requires="a14">
           <p:sp>
             <p:nvSpPr>
               <p:cNvPr id="3" name="Объект 2"/>
@@ -10086,7 +10101,7 @@
             </p:txBody>
           </p:sp>
         </mc:Choice>
-        <mc:Fallback>
+        <mc:Fallback xmlns="">
           <p:sp>
             <p:nvSpPr>
               <p:cNvPr id="3" name="Объект 2"/>
@@ -10182,8 +10197,8 @@
           </a:p>
         </p:txBody>
       </p:sp>
-      <mc:AlternateContent xmlns:mc="http://schemas.openxmlformats.org/markup-compatibility/2006">
-        <mc:Choice xmlns:a14="http://schemas.microsoft.com/office/drawing/2010/main" Requires="a14">
+      <mc:AlternateContent xmlns:mc="http://schemas.openxmlformats.org/markup-compatibility/2006" xmlns:a14="http://schemas.microsoft.com/office/drawing/2010/main">
+        <mc:Choice Requires="a14">
           <p:sp>
             <p:nvSpPr>
               <p:cNvPr id="3" name="Объект 2"/>
@@ -10938,7 +10953,7 @@
             </p:txBody>
           </p:sp>
         </mc:Choice>
-        <mc:Fallback>
+        <mc:Fallback xmlns="">
           <p:sp>
             <p:nvSpPr>
               <p:cNvPr id="3" name="Объект 2"/>
@@ -11073,7 +11088,7 @@
               <a:t>Придерживаясь стратегии – </a:t>
             </a:r>
             <a:r>
-              <a:rPr lang="en-US" dirty="0" err="1" smtClean="0"/>
+              <a:rPr lang="en-US" dirty="0" smtClean="0"/>
               <a:t>SARSA</a:t>
             </a:r>
             <a:r>
@@ -11088,7 +11103,15 @@
             </a:pPr>
             <a:r>
               <a:rPr lang="ru-RU" dirty="0" smtClean="0"/>
-              <a:t>Без учёта стратегии – </a:t>
+              <a:t>Не придерживаясь </a:t>
+            </a:r>
+            <a:r>
+              <a:rPr lang="ru-RU" dirty="0" smtClean="0"/>
+              <a:t>стратегии </a:t>
+            </a:r>
+            <a:r>
+              <a:rPr lang="ru-RU" dirty="0" smtClean="0"/>
+              <a:t>– </a:t>
             </a:r>
             <a:r>
               <a:rPr lang="en-US" dirty="0" smtClean="0"/>
@@ -11186,7 +11209,37 @@
                 </a:pPr>
                 <a:r>
                   <a:rPr lang="ru-RU" dirty="0" smtClean="0"/>
-                  <a:t>В обоих случаях выбор действия производится одинаково:</a:t>
+                  <a:t>В обоих случаях выбор действия производится одинаково (</a:t>
+                </a:r>
+                <a:r>
+                  <a:rPr lang="ru-RU" dirty="0" smtClean="0"/>
+                  <a:t>так </a:t>
+                </a:r>
+                <a:r>
+                  <a:rPr lang="ru-RU" dirty="0"/>
+                  <a:t>называемое </a:t>
+                </a:r>
+                <a14:m>
+                  <m:oMath xmlns:m="http://schemas.openxmlformats.org/officeDocument/2006/math">
+                    <m:r>
+                      <a:rPr lang="en-US" i="1">
+                        <a:latin typeface="Cambria Math" panose="02040503050406030204" pitchFamily="18" charset="0"/>
+                      </a:rPr>
+                      <m:t>𝜖</m:t>
+                    </m:r>
+                  </m:oMath>
+                </a14:m>
+                <a:r>
+                  <a:rPr lang="ru-RU" dirty="0"/>
+                  <a:t>-жадное </a:t>
+                </a:r>
+                <a:r>
+                  <a:rPr lang="ru-RU" dirty="0" smtClean="0"/>
+                  <a:t>правило)</a:t>
+                </a:r>
+                <a:r>
+                  <a:rPr lang="ru-RU" dirty="0" smtClean="0"/>
+                  <a:t>:</a:t>
                 </a:r>
               </a:p>
               <a:p>
@@ -11399,6 +11452,10 @@
                     </m:r>
                   </m:oMath>
                 </a14:m>
+                <a:r>
+                  <a:rPr lang="en-US" dirty="0" smtClean="0"/>
+                  <a:t>,</a:t>
+                </a:r>
                 <a:endParaRPr lang="en-US" dirty="0" smtClean="0"/>
               </a:p>
               <a:p>
@@ -11477,9 +11534,10 @@
                   </m:oMath>
                 </a14:m>
                 <a:r>
-                  <a:rPr lang="ru-RU" dirty="0" smtClean="0"/>
-                  <a:t>.</a:t>
+                  <a:rPr lang="en-US" dirty="0" smtClean="0"/>
+                  <a:t>,</a:t>
                 </a:r>
+                <a:endParaRPr lang="ru-RU" dirty="0" smtClean="0"/>
               </a:p>
               <a:p>
                 <a:pPr marL="0" indent="0">
@@ -11516,12 +11574,6 @@
                   <a:t>.</a:t>
                 </a:r>
                 <a:endParaRPr lang="en-US" dirty="0"/>
-              </a:p>
-              <a:p>
-                <a:pPr marL="0" indent="0">
-                  <a:buNone/>
-                </a:pPr>
-                <a:endParaRPr lang="ru-RU" dirty="0"/>
               </a:p>
             </p:txBody>
           </p:sp>
@@ -11702,7 +11754,7 @@
                   <a:buNone/>
                 </a:pPr>
                 <a:r>
-                  <a:rPr lang="en-US" dirty="0" err="1" smtClean="0"/>
+                  <a:rPr lang="en-US" dirty="0" smtClean="0"/>
                   <a:t>SARSA</a:t>
                 </a:r>
                 <a:r>
@@ -12895,7 +12947,6 @@
               <a:rPr lang="ru-RU" sz="3600" dirty="0"/>
               <a:t>Метод временной разности</a:t>
             </a:r>
-            <a:endParaRPr lang="ru-RU" sz="3600" dirty="0"/>
           </a:p>
         </p:txBody>
       </p:sp>
@@ -12932,16 +12983,12 @@
               <a:t>учае </a:t>
             </a:r>
             <a:r>
-              <a:rPr lang="en-US" dirty="0" err="1" smtClean="0"/>
+              <a:rPr lang="en-US" dirty="0" smtClean="0"/>
               <a:t>SARSA</a:t>
             </a:r>
             <a:r>
               <a:rPr lang="ru-RU" dirty="0" smtClean="0"/>
-              <a:t>, </a:t>
-            </a:r>
-            <a:r>
-              <a:rPr lang="ru-RU" dirty="0" smtClean="0"/>
-              <a:t>агент всегда выбирает то же действие, которое он уже выбирал при построении стратегии, даже если оно не является оптимальным.</a:t>
+              <a:t>, агент всегда выбирает то же действие, которое он уже выбирал при построении стратегии, даже если оно не является оптимальным.</a:t>
             </a:r>
           </a:p>
           <a:p>
@@ -12956,15 +13003,7 @@
             </a:pPr>
             <a:r>
               <a:rPr lang="ru-RU" dirty="0" smtClean="0"/>
-              <a:t>Если частью оптимальной стратегии являются шаги, которые могут быть рискованными, агент выберет </a:t>
-            </a:r>
-            <a:r>
-              <a:rPr lang="ru-RU" dirty="0" err="1" smtClean="0"/>
-              <a:t>субоптимальную</a:t>
-            </a:r>
-            <a:r>
-              <a:rPr lang="ru-RU" dirty="0" smtClean="0"/>
-              <a:t> стратегию.</a:t>
+              <a:t>Если частью оптимальной стратегии являются шаги, которые могут быть рискованными, агент выберет субоптимальную стратегию.</a:t>
             </a:r>
             <a:endParaRPr lang="ru-RU" dirty="0"/>
           </a:p>
@@ -13056,36 +13095,85 @@
                 </a:pPr>
                 <a:r>
                   <a:rPr lang="ru-RU" dirty="0" smtClean="0"/>
-                  <a:t>Проблемы </a:t>
+                  <a:t>При больших размерах множеств ситуаций </a:t>
+                </a:r>
+                <a:r>
+                  <a:rPr lang="en-US" i="1" dirty="0" smtClean="0"/>
+                  <a:t>S</a:t>
                 </a:r>
                 <a:r>
                   <a:rPr lang="en-US" dirty="0" smtClean="0"/>
-                  <a:t>Q-</a:t>
+                  <a:t> </a:t>
                 </a:r>
                 <a:r>
                   <a:rPr lang="ru-RU" dirty="0" smtClean="0"/>
-                  <a:t>обучения:</a:t>
+                  <a:t>и действий </a:t>
                 </a:r>
+                <a:r>
+                  <a:rPr lang="en-US" i="1" dirty="0" smtClean="0"/>
+                  <a:t>A</a:t>
+                </a:r>
+                <a:r>
+                  <a:rPr lang="ru-RU" dirty="0" smtClean="0"/>
+                  <a:t> вычислять и сохранять отдельные значения </a:t>
+                </a:r>
+                <a14:m>
+                  <m:oMath xmlns:m="http://schemas.openxmlformats.org/officeDocument/2006/math">
+                    <m:r>
+                      <a:rPr lang="en-US" b="0" i="1" smtClean="0">
+                        <a:latin typeface="Cambria Math" panose="02040503050406030204" pitchFamily="18" charset="0"/>
+                      </a:rPr>
+                      <m:t>𝑄</m:t>
+                    </m:r>
+                    <m:d>
+                      <m:dPr>
+                        <m:ctrlPr>
+                          <a:rPr lang="en-US" b="0" i="1" smtClean="0">
+                            <a:latin typeface="Cambria Math" panose="02040503050406030204" pitchFamily="18" charset="0"/>
+                          </a:rPr>
+                        </m:ctrlPr>
+                      </m:dPr>
+                      <m:e>
+                        <m:r>
+                          <a:rPr lang="en-US" b="0" i="1" smtClean="0">
+                            <a:latin typeface="Cambria Math" panose="02040503050406030204" pitchFamily="18" charset="0"/>
+                          </a:rPr>
+                          <m:t>𝑠</m:t>
+                        </m:r>
+                        <m:r>
+                          <a:rPr lang="en-US" b="0" i="1" smtClean="0">
+                            <a:latin typeface="Cambria Math" panose="02040503050406030204" pitchFamily="18" charset="0"/>
+                          </a:rPr>
+                          <m:t>,</m:t>
+                        </m:r>
+                        <m:r>
+                          <a:rPr lang="en-US" b="0" i="1" smtClean="0">
+                            <a:latin typeface="Cambria Math" panose="02040503050406030204" pitchFamily="18" charset="0"/>
+                          </a:rPr>
+                          <m:t>𝑎</m:t>
+                        </m:r>
+                      </m:e>
+                    </m:d>
+                  </m:oMath>
+                </a14:m>
+                <a:r>
+                  <a:rPr lang="ru-RU" dirty="0" smtClean="0"/>
+                  <a:t> становится неудобно.</a:t>
+                </a:r>
+              </a:p>
+              <a:p>
+                <a:pPr marL="0" indent="0">
+                  <a:buNone/>
+                </a:pPr>
                 <a:endParaRPr lang="ru-RU" dirty="0"/>
               </a:p>
               <a:p>
+                <a:pPr marL="0" indent="0">
+                  <a:buNone/>
+                </a:pPr>
                 <a:r>
                   <a:rPr lang="ru-RU" dirty="0" smtClean="0"/>
-                  <a:t>Плохая </a:t>
-                </a:r>
-                <a:r>
-                  <a:rPr lang="ru-RU" dirty="0" err="1" smtClean="0"/>
-                  <a:t>адаптируемость</a:t>
-                </a:r>
-                <a:r>
-                  <a:rPr lang="ru-RU" dirty="0" smtClean="0"/>
-                  <a:t> к быстрым изменениям в окружающей среде.</a:t>
-                </a:r>
-              </a:p>
-              <a:p>
-                <a:r>
-                  <a:rPr lang="ru-RU" dirty="0" smtClean="0"/>
-                  <a:t>Необходимая функция </a:t>
+                  <a:t>Вместо этого можно рассматривать искусственную нейронную сеть, на вход которой подаётся состояние, а на выходе получаются значения </a:t>
                 </a:r>
                 <a14:m>
                   <m:oMath xmlns:m="http://schemas.openxmlformats.org/officeDocument/2006/math">
@@ -13105,7 +13193,7 @@
                       </m:dPr>
                       <m:e>
                         <m:r>
-                          <a:rPr lang="en-US" b="0" i="1" smtClean="0">
+                          <a:rPr lang="en-US" i="1">
                             <a:latin typeface="Cambria Math" panose="02040503050406030204" pitchFamily="18" charset="0"/>
                           </a:rPr>
                           <m:t>𝑠</m:t>
@@ -13117,7 +13205,7 @@
                           <m:t>,</m:t>
                         </m:r>
                         <m:r>
-                          <a:rPr lang="en-US" b="0" i="1" smtClean="0">
+                          <a:rPr lang="en-US" i="1">
                             <a:latin typeface="Cambria Math" panose="02040503050406030204" pitchFamily="18" charset="0"/>
                           </a:rPr>
                           <m:t>𝑎</m:t>
@@ -13128,11 +13216,34 @@
                 </a14:m>
                 <a:r>
                   <a:rPr lang="ru-RU" dirty="0" smtClean="0"/>
-                  <a:t> может быть сложнее, чем может обеспечить даже сложная модель, например, искусственная нейронная сеть или случайный лес</a:t>
+                  <a:t>.</a:t>
+                </a:r>
+              </a:p>
+              <a:p>
+                <a:pPr marL="0" indent="0">
+                  <a:buNone/>
+                </a:pPr>
+                <a:endParaRPr lang="ru-RU" dirty="0"/>
+              </a:p>
+              <a:p>
+                <a:pPr marL="0" indent="0">
+                  <a:buNone/>
+                </a:pPr>
+                <a:r>
+                  <a:rPr lang="en-US" dirty="0" err="1" smtClean="0"/>
+                  <a:t>DQN</a:t>
+                </a:r>
+                <a:r>
+                  <a:rPr lang="en-US" dirty="0" smtClean="0"/>
+                  <a:t> </a:t>
                 </a:r>
                 <a:r>
                   <a:rPr lang="ru-RU" dirty="0" smtClean="0"/>
-                  <a:t>.</a:t>
+                  <a:t>=</a:t>
+                </a:r>
+                <a:r>
+                  <a:rPr lang="en-US" dirty="0" smtClean="0"/>
+                  <a:t> Deep Q-Network</a:t>
                 </a:r>
                 <a:endParaRPr lang="ru-RU" dirty="0" smtClean="0"/>
               </a:p>
@@ -13154,7 +13265,7 @@
               <a:blipFill rotWithShape="0">
                 <a:blip r:embed="rId2"/>
                 <a:stretch>
-                  <a:fillRect l="-1217" t="-2241"/>
+                  <a:fillRect l="-1217" t="-2241" r="-1855"/>
                 </a:stretch>
               </a:blipFill>
             </p:spPr>
@@ -13176,7 +13287,7 @@
     </p:spTree>
     <p:extLst>
       <p:ext uri="{BB962C8B-B14F-4D97-AF65-F5344CB8AC3E}">
-        <p14:creationId xmlns:p14="http://schemas.microsoft.com/office/powerpoint/2010/main" val="1047940186"/>
+        <p14:creationId xmlns:p14="http://schemas.microsoft.com/office/powerpoint/2010/main" val="3508860272"/>
       </p:ext>
     </p:extLst>
   </p:cSld>
@@ -13229,39 +13340,323 @@
           <a:p>
             <a:r>
               <a:rPr lang="ru-RU" sz="3600" dirty="0"/>
-              <a:t>Обучение с подкреплением</a:t>
-            </a:r>
+              <a:t>Метод временной разности</a:t>
+            </a:r>
+            <a:endParaRPr lang="ru-RU" sz="3600" dirty="0"/>
           </a:p>
         </p:txBody>
       </p:sp>
-      <p:sp>
-        <p:nvSpPr>
-          <p:cNvPr id="3" name="Объект 2"/>
-          <p:cNvSpPr>
-            <a:spLocks noGrp="1"/>
-          </p:cNvSpPr>
-          <p:nvPr>
-            <p:ph idx="1"/>
-          </p:nvPr>
-        </p:nvSpPr>
-        <p:spPr/>
-        <p:txBody>
-          <a:bodyPr>
-            <a:normAutofit/>
-          </a:bodyPr>
-          <a:lstStyle/>
-          <a:p>
-            <a:pPr marL="0" indent="0">
-              <a:buNone/>
-            </a:pPr>
-            <a:endParaRPr lang="ru-RU" dirty="0" smtClean="0"/>
-          </a:p>
-        </p:txBody>
-      </p:sp>
+      <p:grpSp>
+        <p:nvGrpSpPr>
+          <p:cNvPr id="9" name="Группа 8"/>
+          <p:cNvGrpSpPr/>
+          <p:nvPr/>
+        </p:nvGrpSpPr>
+        <p:grpSpPr>
+          <a:xfrm>
+            <a:off x="2990601" y="2244436"/>
+            <a:ext cx="6210797" cy="3241963"/>
+            <a:chOff x="2517567" y="2565070"/>
+            <a:chExt cx="6210797" cy="3241963"/>
+          </a:xfrm>
+        </p:grpSpPr>
+        <p:sp>
+          <p:nvSpPr>
+            <p:cNvPr id="4" name="Прямоугольник 3"/>
+            <p:cNvSpPr/>
+            <p:nvPr/>
+          </p:nvSpPr>
+          <p:spPr>
+            <a:xfrm>
+              <a:off x="4393869" y="2565070"/>
+              <a:ext cx="2268187" cy="3241962"/>
+            </a:xfrm>
+            <a:prstGeom prst="rect">
+              <a:avLst/>
+            </a:prstGeom>
+          </p:spPr>
+          <p:style>
+            <a:lnRef idx="2">
+              <a:schemeClr val="accent1">
+                <a:shade val="50000"/>
+              </a:schemeClr>
+            </a:lnRef>
+            <a:fillRef idx="1">
+              <a:schemeClr val="accent1"/>
+            </a:fillRef>
+            <a:effectRef idx="0">
+              <a:schemeClr val="accent1"/>
+            </a:effectRef>
+            <a:fontRef idx="minor">
+              <a:schemeClr val="lt1"/>
+            </a:fontRef>
+          </p:style>
+          <p:txBody>
+            <a:bodyPr rtlCol="0" anchor="ctr"/>
+            <a:lstStyle/>
+            <a:p>
+              <a:pPr algn="ctr"/>
+              <a:r>
+                <a:rPr lang="ru-RU" dirty="0" smtClean="0"/>
+                <a:t>ИНС</a:t>
+              </a:r>
+              <a:endParaRPr lang="ru-RU" dirty="0"/>
+            </a:p>
+          </p:txBody>
+        </p:sp>
+        <p:sp>
+          <p:nvSpPr>
+            <p:cNvPr id="5" name="Стрелка вправо 4"/>
+            <p:cNvSpPr/>
+            <p:nvPr/>
+          </p:nvSpPr>
+          <p:spPr>
+            <a:xfrm>
+              <a:off x="2517567" y="3694353"/>
+              <a:ext cx="978408" cy="983396"/>
+            </a:xfrm>
+            <a:prstGeom prst="rightArrow">
+              <a:avLst/>
+            </a:prstGeom>
+          </p:spPr>
+          <p:style>
+            <a:lnRef idx="2">
+              <a:schemeClr val="accent1">
+                <a:shade val="50000"/>
+              </a:schemeClr>
+            </a:lnRef>
+            <a:fillRef idx="1">
+              <a:schemeClr val="accent1"/>
+            </a:fillRef>
+            <a:effectRef idx="0">
+              <a:schemeClr val="accent1"/>
+            </a:effectRef>
+            <a:fontRef idx="minor">
+              <a:schemeClr val="lt1"/>
+            </a:fontRef>
+          </p:style>
+          <p:txBody>
+            <a:bodyPr rtlCol="0" anchor="ctr"/>
+            <a:lstStyle/>
+            <a:p>
+              <a:pPr algn="ctr"/>
+              <a:r>
+                <a:rPr lang="en-US" i="1" dirty="0"/>
+                <a:t>s</a:t>
+              </a:r>
+              <a:endParaRPr lang="ru-RU" i="1" dirty="0"/>
+            </a:p>
+          </p:txBody>
+        </p:sp>
+        <p:sp>
+          <p:nvSpPr>
+            <p:cNvPr id="6" name="Стрелка вправо 5"/>
+            <p:cNvSpPr/>
+            <p:nvPr/>
+          </p:nvSpPr>
+          <p:spPr>
+            <a:xfrm>
+              <a:off x="7659584" y="2565070"/>
+              <a:ext cx="1068780" cy="771896"/>
+            </a:xfrm>
+            <a:prstGeom prst="rightArrow">
+              <a:avLst/>
+            </a:prstGeom>
+          </p:spPr>
+          <p:style>
+            <a:lnRef idx="2">
+              <a:schemeClr val="accent1">
+                <a:shade val="50000"/>
+              </a:schemeClr>
+            </a:lnRef>
+            <a:fillRef idx="1">
+              <a:schemeClr val="accent1"/>
+            </a:fillRef>
+            <a:effectRef idx="0">
+              <a:schemeClr val="accent1"/>
+            </a:effectRef>
+            <a:fontRef idx="minor">
+              <a:schemeClr val="lt1"/>
+            </a:fontRef>
+          </p:style>
+          <p:txBody>
+            <a:bodyPr rtlCol="0" anchor="ctr"/>
+            <a:lstStyle/>
+            <a:p>
+              <a:pPr algn="ctr"/>
+              <a:r>
+                <a:rPr lang="en-US" i="1" dirty="0" smtClean="0"/>
+                <a:t>Q</a:t>
+              </a:r>
+              <a:r>
+                <a:rPr lang="en-US" dirty="0" smtClean="0"/>
+                <a:t>(</a:t>
+              </a:r>
+              <a:r>
+                <a:rPr lang="en-US" i="1" dirty="0" smtClean="0"/>
+                <a:t>s</a:t>
+              </a:r>
+              <a:r>
+                <a:rPr lang="en-US" dirty="0" smtClean="0"/>
+                <a:t>,</a:t>
+              </a:r>
+              <a:r>
+                <a:rPr lang="en-US" i="1" dirty="0" smtClean="0"/>
+                <a:t>a</a:t>
+              </a:r>
+              <a:r>
+                <a:rPr lang="en-US" baseline="-25000" dirty="0" smtClean="0"/>
+                <a:t>1</a:t>
+              </a:r>
+              <a:r>
+                <a:rPr lang="en-US" dirty="0" smtClean="0"/>
+                <a:t>)</a:t>
+              </a:r>
+              <a:endParaRPr lang="ru-RU" dirty="0"/>
+            </a:p>
+          </p:txBody>
+        </p:sp>
+        <p:sp>
+          <p:nvSpPr>
+            <p:cNvPr id="7" name="Стрелка вправо 6"/>
+            <p:cNvSpPr/>
+            <p:nvPr/>
+          </p:nvSpPr>
+          <p:spPr>
+            <a:xfrm>
+              <a:off x="7659584" y="3427158"/>
+              <a:ext cx="1068780" cy="771896"/>
+            </a:xfrm>
+            <a:prstGeom prst="rightArrow">
+              <a:avLst/>
+            </a:prstGeom>
+          </p:spPr>
+          <p:style>
+            <a:lnRef idx="2">
+              <a:schemeClr val="accent1">
+                <a:shade val="50000"/>
+              </a:schemeClr>
+            </a:lnRef>
+            <a:fillRef idx="1">
+              <a:schemeClr val="accent1"/>
+            </a:fillRef>
+            <a:effectRef idx="0">
+              <a:schemeClr val="accent1"/>
+            </a:effectRef>
+            <a:fontRef idx="minor">
+              <a:schemeClr val="lt1"/>
+            </a:fontRef>
+          </p:style>
+          <p:txBody>
+            <a:bodyPr rtlCol="0" anchor="ctr"/>
+            <a:lstStyle/>
+            <a:p>
+              <a:pPr algn="ctr"/>
+              <a:r>
+                <a:rPr lang="en-US" i="1" dirty="0" smtClean="0"/>
+                <a:t>Q</a:t>
+              </a:r>
+              <a:r>
+                <a:rPr lang="en-US" dirty="0" smtClean="0"/>
+                <a:t>(</a:t>
+              </a:r>
+              <a:r>
+                <a:rPr lang="en-US" i="1" dirty="0" smtClean="0"/>
+                <a:t>s</a:t>
+              </a:r>
+              <a:r>
+                <a:rPr lang="en-US" dirty="0" smtClean="0"/>
+                <a:t>,</a:t>
+              </a:r>
+              <a:r>
+                <a:rPr lang="en-US" i="1" dirty="0" smtClean="0"/>
+                <a:t>a</a:t>
+              </a:r>
+              <a:r>
+                <a:rPr lang="en-US" baseline="-25000" dirty="0" smtClean="0"/>
+                <a:t>2</a:t>
+              </a:r>
+              <a:r>
+                <a:rPr lang="en-US" dirty="0" smtClean="0"/>
+                <a:t>)</a:t>
+              </a:r>
+              <a:endParaRPr lang="ru-RU" dirty="0"/>
+            </a:p>
+          </p:txBody>
+        </p:sp>
+        <p:sp>
+          <p:nvSpPr>
+            <p:cNvPr id="8" name="Стрелка вправо 7"/>
+            <p:cNvSpPr/>
+            <p:nvPr/>
+          </p:nvSpPr>
+          <p:spPr>
+            <a:xfrm>
+              <a:off x="7659584" y="5035137"/>
+              <a:ext cx="1068780" cy="771896"/>
+            </a:xfrm>
+            <a:prstGeom prst="rightArrow">
+              <a:avLst/>
+            </a:prstGeom>
+          </p:spPr>
+          <p:style>
+            <a:lnRef idx="2">
+              <a:schemeClr val="accent1">
+                <a:shade val="50000"/>
+              </a:schemeClr>
+            </a:lnRef>
+            <a:fillRef idx="1">
+              <a:schemeClr val="accent1"/>
+            </a:fillRef>
+            <a:effectRef idx="0">
+              <a:schemeClr val="accent1"/>
+            </a:effectRef>
+            <a:fontRef idx="minor">
+              <a:schemeClr val="lt1"/>
+            </a:fontRef>
+          </p:style>
+          <p:txBody>
+            <a:bodyPr rtlCol="0" anchor="ctr"/>
+            <a:lstStyle/>
+            <a:p>
+              <a:pPr algn="ctr"/>
+              <a:r>
+                <a:rPr lang="en-US" i="1" dirty="0" smtClean="0"/>
+                <a:t>Q</a:t>
+              </a:r>
+              <a:r>
+                <a:rPr lang="en-US" dirty="0" smtClean="0"/>
+                <a:t>(</a:t>
+              </a:r>
+              <a:r>
+                <a:rPr lang="en-US" i="1" dirty="0" smtClean="0"/>
+                <a:t>s</a:t>
+              </a:r>
+              <a:r>
+                <a:rPr lang="en-US" dirty="0" smtClean="0"/>
+                <a:t>,</a:t>
+              </a:r>
+              <a:r>
+                <a:rPr lang="en-US" i="1" dirty="0" smtClean="0"/>
+                <a:t>a</a:t>
+              </a:r>
+              <a:r>
+                <a:rPr lang="en-US" i="1" baseline="-25000" dirty="0" smtClean="0"/>
+                <a:t>N</a:t>
+              </a:r>
+              <a:r>
+                <a:rPr lang="en-US" dirty="0" smtClean="0"/>
+                <a:t>)</a:t>
+              </a:r>
+              <a:endParaRPr lang="ru-RU" dirty="0"/>
+            </a:p>
+          </p:txBody>
+        </p:sp>
+      </p:grpSp>
     </p:spTree>
     <p:extLst>
       <p:ext uri="{BB962C8B-B14F-4D97-AF65-F5344CB8AC3E}">
-        <p14:creationId xmlns:p14="http://schemas.microsoft.com/office/powerpoint/2010/main" val="3508860272"/>
+        <p14:creationId xmlns:p14="http://schemas.microsoft.com/office/powerpoint/2010/main" val="1334629940"/>
       </p:ext>
     </p:extLst>
   </p:cSld>
@@ -13446,56 +13841,394 @@
           <a:p>
             <a:r>
               <a:rPr lang="ru-RU" sz="3600" dirty="0"/>
-              <a:t>Искусственный интеллект</a:t>
-            </a:r>
+              <a:t>Метод временной разности</a:t>
+            </a:r>
+            <a:endParaRPr lang="ru-RU" sz="3600" dirty="0"/>
           </a:p>
         </p:txBody>
       </p:sp>
-      <p:sp>
-        <p:nvSpPr>
-          <p:cNvPr id="3" name="Объект 2"/>
-          <p:cNvSpPr>
-            <a:spLocks noGrp="1"/>
-          </p:cNvSpPr>
-          <p:nvPr>
-            <p:ph idx="1"/>
-          </p:nvPr>
-        </p:nvSpPr>
-        <p:spPr/>
-        <p:txBody>
-          <a:bodyPr/>
-          <a:lstStyle/>
-          <a:p>
-            <a:pPr marL="0" indent="0">
-              <a:buNone/>
-            </a:pPr>
-            <a:r>
-              <a:rPr lang="ru-RU" dirty="0" smtClean="0"/>
-              <a:t>Для взаимодействия с окружающим миром необходимо строить и обновлять модель окружающего мира.</a:t>
-            </a:r>
-          </a:p>
-          <a:p>
-            <a:pPr marL="0" indent="0">
-              <a:buNone/>
-            </a:pPr>
-            <a:endParaRPr lang="ru-RU" dirty="0"/>
-          </a:p>
-          <a:p>
-            <a:pPr marL="0" indent="0">
-              <a:buNone/>
-            </a:pPr>
-            <a:r>
-              <a:rPr lang="ru-RU" dirty="0" smtClean="0"/>
-              <a:t>Такая модель может быть построена как на базе конечного набора чисел, например, показаний датчиков, так и на базе потоковой информации, например, данных с видеокамер и микрофонов.</a:t>
-            </a:r>
-            <a:endParaRPr lang="ru-RU" dirty="0"/>
-          </a:p>
-        </p:txBody>
-      </p:sp>
+      <mc:AlternateContent xmlns:mc="http://schemas.openxmlformats.org/markup-compatibility/2006">
+        <mc:Choice xmlns:a14="http://schemas.microsoft.com/office/drawing/2010/main" Requires="a14">
+          <p:sp>
+            <p:nvSpPr>
+              <p:cNvPr id="3" name="Объект 2"/>
+              <p:cNvSpPr>
+                <a:spLocks noGrp="1"/>
+              </p:cNvSpPr>
+              <p:nvPr>
+                <p:ph idx="1"/>
+              </p:nvPr>
+            </p:nvSpPr>
+            <p:spPr/>
+            <p:txBody>
+              <a:bodyPr>
+                <a:normAutofit/>
+              </a:bodyPr>
+              <a:lstStyle/>
+              <a:p>
+                <a:pPr marL="0" indent="0">
+                  <a:buNone/>
+                </a:pPr>
+                <a:r>
+                  <a:rPr lang="ru-RU" dirty="0" smtClean="0"/>
+                  <a:t>Повторение опыта:</a:t>
+                </a:r>
+                <a:endParaRPr lang="en-US" dirty="0" smtClean="0"/>
+              </a:p>
+              <a:p>
+                <a:pPr marL="0" indent="0">
+                  <a:buNone/>
+                </a:pPr>
+                <a:endParaRPr lang="ru-RU" dirty="0" smtClean="0"/>
+              </a:p>
+              <a:p>
+                <a:pPr marL="0" indent="0">
+                  <a:buNone/>
+                </a:pPr>
+                <a:r>
+                  <a:rPr lang="ru-RU" dirty="0" smtClean="0"/>
+                  <a:t>Вся информация хранится в виде кортежей, описывающих отдельные шаги эпизодов: </a:t>
+                </a:r>
+                <a14:m>
+                  <m:oMath xmlns:m="http://schemas.openxmlformats.org/officeDocument/2006/math">
+                    <m:sSub>
+                      <m:sSubPr>
+                        <m:ctrlPr>
+                          <a:rPr lang="en-US" b="0" i="1" smtClean="0">
+                            <a:latin typeface="Cambria Math" panose="02040503050406030204" pitchFamily="18" charset="0"/>
+                          </a:rPr>
+                        </m:ctrlPr>
+                      </m:sSubPr>
+                      <m:e>
+                        <m:r>
+                          <a:rPr lang="en-US" b="0" i="1" smtClean="0">
+                            <a:latin typeface="Cambria Math" panose="02040503050406030204" pitchFamily="18" charset="0"/>
+                          </a:rPr>
+                          <m:t>𝑒</m:t>
+                        </m:r>
+                      </m:e>
+                      <m:sub>
+                        <m:r>
+                          <a:rPr lang="en-US" b="0" i="1" smtClean="0">
+                            <a:latin typeface="Cambria Math" panose="02040503050406030204" pitchFamily="18" charset="0"/>
+                          </a:rPr>
+                          <m:t>𝑡</m:t>
+                        </m:r>
+                      </m:sub>
+                    </m:sSub>
+                    <m:r>
+                      <a:rPr lang="en-US" b="0" i="1" smtClean="0">
+                        <a:latin typeface="Cambria Math" panose="02040503050406030204" pitchFamily="18" charset="0"/>
+                      </a:rPr>
+                      <m:t>=</m:t>
+                    </m:r>
+                    <m:d>
+                      <m:dPr>
+                        <m:ctrlPr>
+                          <a:rPr lang="ru-RU" i="1" smtClean="0">
+                            <a:latin typeface="Cambria Math" panose="02040503050406030204" pitchFamily="18" charset="0"/>
+                          </a:rPr>
+                        </m:ctrlPr>
+                      </m:dPr>
+                      <m:e>
+                        <m:sSub>
+                          <m:sSubPr>
+                            <m:ctrlPr>
+                              <a:rPr lang="en-US" b="0" i="1" smtClean="0">
+                                <a:latin typeface="Cambria Math" panose="02040503050406030204" pitchFamily="18" charset="0"/>
+                              </a:rPr>
+                            </m:ctrlPr>
+                          </m:sSubPr>
+                          <m:e>
+                            <m:r>
+                              <a:rPr lang="en-US" b="0" i="1" smtClean="0">
+                                <a:latin typeface="Cambria Math" panose="02040503050406030204" pitchFamily="18" charset="0"/>
+                              </a:rPr>
+                              <m:t>𝑠</m:t>
+                            </m:r>
+                          </m:e>
+                          <m:sub>
+                            <m:r>
+                              <a:rPr lang="en-US" b="0" i="1" smtClean="0">
+                                <a:latin typeface="Cambria Math" panose="02040503050406030204" pitchFamily="18" charset="0"/>
+                              </a:rPr>
+                              <m:t>𝑡</m:t>
+                            </m:r>
+                          </m:sub>
+                        </m:sSub>
+                        <m:r>
+                          <a:rPr lang="en-US" b="0" i="1" smtClean="0">
+                            <a:latin typeface="Cambria Math" panose="02040503050406030204" pitchFamily="18" charset="0"/>
+                          </a:rPr>
+                          <m:t>,</m:t>
+                        </m:r>
+                        <m:sSub>
+                          <m:sSubPr>
+                            <m:ctrlPr>
+                              <a:rPr lang="en-US" b="0" i="1" smtClean="0">
+                                <a:latin typeface="Cambria Math" panose="02040503050406030204" pitchFamily="18" charset="0"/>
+                              </a:rPr>
+                            </m:ctrlPr>
+                          </m:sSubPr>
+                          <m:e>
+                            <m:r>
+                              <a:rPr lang="en-US" b="0" i="1" smtClean="0">
+                                <a:latin typeface="Cambria Math" panose="02040503050406030204" pitchFamily="18" charset="0"/>
+                              </a:rPr>
+                              <m:t>𝑎</m:t>
+                            </m:r>
+                          </m:e>
+                          <m:sub>
+                            <m:r>
+                              <a:rPr lang="en-US" b="0" i="1" smtClean="0">
+                                <a:latin typeface="Cambria Math" panose="02040503050406030204" pitchFamily="18" charset="0"/>
+                              </a:rPr>
+                              <m:t>𝑡</m:t>
+                            </m:r>
+                          </m:sub>
+                        </m:sSub>
+                        <m:r>
+                          <a:rPr lang="en-US" b="0" i="1" smtClean="0">
+                            <a:latin typeface="Cambria Math" panose="02040503050406030204" pitchFamily="18" charset="0"/>
+                          </a:rPr>
+                          <m:t>,</m:t>
+                        </m:r>
+                        <m:sSub>
+                          <m:sSubPr>
+                            <m:ctrlPr>
+                              <a:rPr lang="en-US" b="0" i="1" smtClean="0">
+                                <a:latin typeface="Cambria Math" panose="02040503050406030204" pitchFamily="18" charset="0"/>
+                              </a:rPr>
+                            </m:ctrlPr>
+                          </m:sSubPr>
+                          <m:e>
+                            <m:r>
+                              <a:rPr lang="en-US" b="0" i="1" smtClean="0">
+                                <a:latin typeface="Cambria Math" panose="02040503050406030204" pitchFamily="18" charset="0"/>
+                              </a:rPr>
+                              <m:t>𝑟</m:t>
+                            </m:r>
+                          </m:e>
+                          <m:sub>
+                            <m:r>
+                              <a:rPr lang="en-US" b="0" i="1" smtClean="0">
+                                <a:latin typeface="Cambria Math" panose="02040503050406030204" pitchFamily="18" charset="0"/>
+                              </a:rPr>
+                              <m:t>𝑡</m:t>
+                            </m:r>
+                          </m:sub>
+                        </m:sSub>
+                        <m:r>
+                          <a:rPr lang="en-US" b="0" i="1" smtClean="0">
+                            <a:latin typeface="Cambria Math" panose="02040503050406030204" pitchFamily="18" charset="0"/>
+                          </a:rPr>
+                          <m:t>,</m:t>
+                        </m:r>
+                        <m:sSub>
+                          <m:sSubPr>
+                            <m:ctrlPr>
+                              <a:rPr lang="en-US" b="0" i="1" smtClean="0">
+                                <a:latin typeface="Cambria Math" panose="02040503050406030204" pitchFamily="18" charset="0"/>
+                              </a:rPr>
+                            </m:ctrlPr>
+                          </m:sSubPr>
+                          <m:e>
+                            <m:r>
+                              <a:rPr lang="en-US" b="0" i="1" smtClean="0">
+                                <a:latin typeface="Cambria Math" panose="02040503050406030204" pitchFamily="18" charset="0"/>
+                              </a:rPr>
+                              <m:t>𝑠</m:t>
+                            </m:r>
+                          </m:e>
+                          <m:sub>
+                            <m:r>
+                              <a:rPr lang="en-US" b="0" i="1" smtClean="0">
+                                <a:latin typeface="Cambria Math" panose="02040503050406030204" pitchFamily="18" charset="0"/>
+                              </a:rPr>
+                              <m:t>𝑡</m:t>
+                            </m:r>
+                            <m:r>
+                              <a:rPr lang="en-US" b="0" i="1" smtClean="0">
+                                <a:latin typeface="Cambria Math" panose="02040503050406030204" pitchFamily="18" charset="0"/>
+                              </a:rPr>
+                              <m:t>+1</m:t>
+                            </m:r>
+                          </m:sub>
+                        </m:sSub>
+                      </m:e>
+                    </m:d>
+                  </m:oMath>
+                </a14:m>
+                <a:r>
+                  <a:rPr lang="en-US" dirty="0" smtClean="0"/>
+                  <a:t>.</a:t>
+                </a:r>
+              </a:p>
+              <a:p>
+                <a:pPr marL="0" indent="0">
+                  <a:buNone/>
+                </a:pPr>
+                <a:endParaRPr lang="en-US" dirty="0"/>
+              </a:p>
+              <a:p>
+                <a:pPr marL="0" indent="0">
+                  <a:buNone/>
+                </a:pPr>
+                <a:r>
+                  <a:rPr lang="ru-RU" dirty="0" smtClean="0"/>
+                  <a:t>При обучении нейронной сети эпизоды берутся случайными батчами из всего множества эпизодов </a:t>
+                </a:r>
+                <a14:m>
+                  <m:oMath xmlns:m="http://schemas.openxmlformats.org/officeDocument/2006/math">
+                    <m:sSub>
+                      <m:sSubPr>
+                        <m:ctrlPr>
+                          <a:rPr lang="en-US" b="0" i="1" smtClean="0">
+                            <a:latin typeface="Cambria Math" panose="02040503050406030204" pitchFamily="18" charset="0"/>
+                          </a:rPr>
+                        </m:ctrlPr>
+                      </m:sSubPr>
+                      <m:e>
+                        <m:r>
+                          <a:rPr lang="en-US" b="0" i="1" smtClean="0">
+                            <a:latin typeface="Cambria Math" panose="02040503050406030204" pitchFamily="18" charset="0"/>
+                          </a:rPr>
+                          <m:t>𝐸</m:t>
+                        </m:r>
+                      </m:e>
+                      <m:sub>
+                        <m:r>
+                          <a:rPr lang="en-US" b="0" i="1" smtClean="0">
+                            <a:latin typeface="Cambria Math" panose="02040503050406030204" pitchFamily="18" charset="0"/>
+                          </a:rPr>
+                          <m:t>𝑡</m:t>
+                        </m:r>
+                      </m:sub>
+                    </m:sSub>
+                    <m:r>
+                      <a:rPr lang="en-US" b="0" i="1" smtClean="0">
+                        <a:latin typeface="Cambria Math" panose="02040503050406030204" pitchFamily="18" charset="0"/>
+                      </a:rPr>
+                      <m:t>=</m:t>
+                    </m:r>
+                    <m:d>
+                      <m:dPr>
+                        <m:begChr m:val="{"/>
+                        <m:endChr m:val="}"/>
+                        <m:ctrlPr>
+                          <a:rPr lang="en-US" b="0" i="1" smtClean="0">
+                            <a:latin typeface="Cambria Math" panose="02040503050406030204" pitchFamily="18" charset="0"/>
+                          </a:rPr>
+                        </m:ctrlPr>
+                      </m:dPr>
+                      <m:e>
+                        <m:sSub>
+                          <m:sSubPr>
+                            <m:ctrlPr>
+                              <a:rPr lang="en-US" b="0" i="1" smtClean="0">
+                                <a:latin typeface="Cambria Math" panose="02040503050406030204" pitchFamily="18" charset="0"/>
+                              </a:rPr>
+                            </m:ctrlPr>
+                          </m:sSubPr>
+                          <m:e>
+                            <m:r>
+                              <a:rPr lang="en-US" b="0" i="1" smtClean="0">
+                                <a:latin typeface="Cambria Math" panose="02040503050406030204" pitchFamily="18" charset="0"/>
+                              </a:rPr>
+                              <m:t>𝑒</m:t>
+                            </m:r>
+                          </m:e>
+                          <m:sub>
+                            <m:r>
+                              <a:rPr lang="en-US" b="0" i="1" smtClean="0">
+                                <a:latin typeface="Cambria Math" panose="02040503050406030204" pitchFamily="18" charset="0"/>
+                              </a:rPr>
+                              <m:t>1</m:t>
+                            </m:r>
+                          </m:sub>
+                        </m:sSub>
+                        <m:r>
+                          <a:rPr lang="en-US" b="0" i="1" smtClean="0">
+                            <a:latin typeface="Cambria Math" panose="02040503050406030204" pitchFamily="18" charset="0"/>
+                          </a:rPr>
+                          <m:t>,…,</m:t>
+                        </m:r>
+                        <m:sSub>
+                          <m:sSubPr>
+                            <m:ctrlPr>
+                              <a:rPr lang="en-US" b="0" i="1" smtClean="0">
+                                <a:latin typeface="Cambria Math" panose="02040503050406030204" pitchFamily="18" charset="0"/>
+                              </a:rPr>
+                            </m:ctrlPr>
+                          </m:sSubPr>
+                          <m:e>
+                            <m:r>
+                              <a:rPr lang="en-US" b="0" i="1" smtClean="0">
+                                <a:latin typeface="Cambria Math" panose="02040503050406030204" pitchFamily="18" charset="0"/>
+                              </a:rPr>
+                              <m:t>𝑒</m:t>
+                            </m:r>
+                          </m:e>
+                          <m:sub>
+                            <m:r>
+                              <a:rPr lang="en-US" b="0" i="1" smtClean="0">
+                                <a:latin typeface="Cambria Math" panose="02040503050406030204" pitchFamily="18" charset="0"/>
+                              </a:rPr>
+                              <m:t>𝑡</m:t>
+                            </m:r>
+                          </m:sub>
+                        </m:sSub>
+                      </m:e>
+                    </m:d>
+                  </m:oMath>
+                </a14:m>
+                <a:r>
+                  <a:rPr lang="en-US" dirty="0" smtClean="0"/>
+                  <a:t>.</a:t>
+                </a:r>
+                <a:endParaRPr lang="ru-RU" dirty="0" smtClean="0"/>
+              </a:p>
+            </p:txBody>
+          </p:sp>
+        </mc:Choice>
+        <mc:Fallback>
+          <p:sp>
+            <p:nvSpPr>
+              <p:cNvPr id="3" name="Объект 2"/>
+              <p:cNvSpPr>
+                <a:spLocks noGrp="1" noRot="1" noChangeAspect="1" noMove="1" noResize="1" noEditPoints="1" noAdjustHandles="1" noChangeArrowheads="1" noChangeShapeType="1" noTextEdit="1"/>
+              </p:cNvSpPr>
+              <p:nvPr>
+                <p:ph idx="1"/>
+              </p:nvPr>
+            </p:nvSpPr>
+            <p:spPr>
+              <a:blipFill rotWithShape="0">
+                <a:blip r:embed="rId2"/>
+                <a:stretch>
+                  <a:fillRect l="-1217" t="-2241"/>
+                </a:stretch>
+              </a:blipFill>
+            </p:spPr>
+            <p:txBody>
+              <a:bodyPr/>
+              <a:lstStyle/>
+              <a:p>
+                <a:r>
+                  <a:rPr lang="ru-RU">
+                    <a:noFill/>
+                  </a:rPr>
+                  <a:t> </a:t>
+                </a:r>
+              </a:p>
+            </p:txBody>
+          </p:sp>
+        </mc:Fallback>
+      </mc:AlternateContent>
     </p:spTree>
     <p:extLst>
       <p:ext uri="{BB962C8B-B14F-4D97-AF65-F5344CB8AC3E}">
-        <p14:creationId xmlns:p14="http://schemas.microsoft.com/office/powerpoint/2010/main" val="2209983046"/>
+        <p14:creationId xmlns:p14="http://schemas.microsoft.com/office/powerpoint/2010/main" val="4251752754"/>
       </p:ext>
     </p:extLst>
   </p:cSld>
@@ -13548,8 +14281,9 @@
           <a:p>
             <a:r>
               <a:rPr lang="ru-RU" sz="3600" dirty="0"/>
-              <a:t>Онтологии</a:t>
-            </a:r>
+              <a:t>Метод временной разности</a:t>
+            </a:r>
+            <a:endParaRPr lang="ru-RU" sz="3600" dirty="0"/>
           </a:p>
         </p:txBody>
       </p:sp>
@@ -13565,7 +14299,9 @@
         </p:nvSpPr>
         <p:spPr/>
         <p:txBody>
-          <a:bodyPr/>
+          <a:bodyPr>
+            <a:normAutofit/>
+          </a:bodyPr>
           <a:lstStyle/>
           <a:p>
             <a:pPr marL="0" indent="0">
@@ -13573,48 +14309,54 @@
             </a:pPr>
             <a:r>
               <a:rPr lang="ru-RU" dirty="0" smtClean="0"/>
-              <a:t>Структура онтологии:</a:t>
+              <a:t>Периодическое обновление цели</a:t>
+            </a:r>
+            <a:r>
+              <a:rPr lang="ru-RU" dirty="0" smtClean="0"/>
+              <a:t>:</a:t>
             </a:r>
             <a:endParaRPr lang="en-US" dirty="0" smtClean="0"/>
-          </a:p>
-          <a:p>
-            <a:r>
-              <a:rPr lang="ru-RU" dirty="0" smtClean="0"/>
-              <a:t>Объекты</a:t>
-            </a:r>
-            <a:endParaRPr lang="ru-RU" dirty="0"/>
-          </a:p>
-          <a:p>
-            <a:r>
-              <a:rPr lang="ru-RU" dirty="0" smtClean="0"/>
-              <a:t>Атрибуты</a:t>
-            </a:r>
-            <a:endParaRPr lang="ru-RU" dirty="0"/>
-          </a:p>
-          <a:p>
-            <a:r>
-              <a:rPr lang="ru-RU" dirty="0"/>
-              <a:t>Классы</a:t>
-            </a:r>
-          </a:p>
-          <a:p>
-            <a:r>
-              <a:rPr lang="ru-RU" dirty="0"/>
-              <a:t>Связи</a:t>
-            </a:r>
           </a:p>
           <a:p>
             <a:pPr marL="0" indent="0">
               <a:buNone/>
             </a:pPr>
-            <a:endParaRPr lang="ru-RU" dirty="0"/>
+            <a:endParaRPr lang="ru-RU" dirty="0" smtClean="0"/>
+          </a:p>
+          <a:p>
+            <a:pPr marL="0" indent="0">
+              <a:buNone/>
+            </a:pPr>
+            <a:r>
+              <a:rPr lang="ru-RU" dirty="0" smtClean="0"/>
+              <a:t>Создается и периодически обновляется «целевая» копия основной нейронной сети.</a:t>
+            </a:r>
+          </a:p>
+          <a:p>
+            <a:pPr marL="0" indent="0">
+              <a:buNone/>
+            </a:pPr>
+            <a:r>
+              <a:rPr lang="ru-RU" dirty="0" smtClean="0"/>
+              <a:t>Для выбора действия используется основная нейронная сеть.</a:t>
+            </a:r>
+          </a:p>
+          <a:p>
+            <a:pPr marL="0" indent="0">
+              <a:buNone/>
+            </a:pPr>
+            <a:r>
+              <a:rPr lang="ru-RU" dirty="0" smtClean="0"/>
+              <a:t>Для вычисления временной разности используется «целевая» нейронная сеть.</a:t>
+            </a:r>
+            <a:endParaRPr lang="ru-RU" dirty="0" smtClean="0"/>
           </a:p>
         </p:txBody>
       </p:sp>
     </p:spTree>
     <p:extLst>
       <p:ext uri="{BB962C8B-B14F-4D97-AF65-F5344CB8AC3E}">
-        <p14:creationId xmlns:p14="http://schemas.microsoft.com/office/powerpoint/2010/main" val="2013934630"/>
+        <p14:creationId xmlns:p14="http://schemas.microsoft.com/office/powerpoint/2010/main" val="2319841411"/>
       </p:ext>
     </p:extLst>
   </p:cSld>
@@ -13660,15 +14402,14 @@
         </p:nvSpPr>
         <p:spPr/>
         <p:txBody>
-          <a:bodyPr>
-            <a:normAutofit/>
-          </a:bodyPr>
+          <a:bodyPr/>
           <a:lstStyle/>
           <a:p>
             <a:r>
-              <a:rPr lang="ru-RU" sz="3600" dirty="0"/>
-              <a:t>Онтологии</a:t>
-            </a:r>
+              <a:rPr lang="ru-RU" dirty="0" smtClean="0"/>
+              <a:t>Ссылки</a:t>
+            </a:r>
+            <a:endParaRPr lang="ru-RU" dirty="0"/>
           </a:p>
         </p:txBody>
       </p:sp>
@@ -13684,24 +14425,73 @@
         </p:nvSpPr>
         <p:spPr/>
         <p:txBody>
-          <a:bodyPr/>
+          <a:bodyPr>
+            <a:normAutofit/>
+          </a:bodyPr>
           <a:lstStyle/>
           <a:p>
-            <a:pPr marL="0" indent="0">
-              <a:buNone/>
-            </a:pPr>
-            <a:r>
-              <a:rPr lang="ru-RU" dirty="0" smtClean="0"/>
-              <a:t>Граф знаний</a:t>
-            </a:r>
-            <a:endParaRPr lang="ru-RU" dirty="0"/>
+            <a:r>
+              <a:rPr lang="en-US" dirty="0">
+                <a:hlinkClick r:id="rId2"/>
+              </a:rPr>
+              <a:t>https://habr.com/ru/post/468379</a:t>
+            </a:r>
+            <a:r>
+              <a:rPr lang="en-US" dirty="0" smtClean="0">
+                <a:hlinkClick r:id="rId2"/>
+              </a:rPr>
+              <a:t>/</a:t>
+            </a:r>
+            <a:endParaRPr lang="ru-RU" dirty="0" smtClean="0"/>
+          </a:p>
+          <a:p>
+            <a:r>
+              <a:rPr lang="en-US" dirty="0">
+                <a:hlinkClick r:id="rId3"/>
+              </a:rPr>
+              <a:t>https://</a:t>
+            </a:r>
+            <a:r>
+              <a:rPr lang="en-US" dirty="0" smtClean="0">
+                <a:hlinkClick r:id="rId3"/>
+              </a:rPr>
+              <a:t>lilianweng.github.io/lil-log/2018/02/19/a-long-peek-into-reinforcement-</a:t>
+            </a:r>
+            <a:r>
+              <a:rPr lang="en-US" dirty="0" err="1" smtClean="0">
+                <a:hlinkClick r:id="rId3"/>
+              </a:rPr>
+              <a:t>learning.html</a:t>
+            </a:r>
+            <a:endParaRPr lang="ru-RU" dirty="0" smtClean="0"/>
+          </a:p>
+          <a:p>
+            <a:r>
+              <a:rPr lang="en-US" dirty="0">
+                <a:hlinkClick r:id="rId4"/>
+              </a:rPr>
+              <a:t>https://habr.com/ru/post/437020</a:t>
+            </a:r>
+            <a:r>
+              <a:rPr lang="en-US" dirty="0" smtClean="0">
+                <a:hlinkClick r:id="rId4"/>
+              </a:rPr>
+              <a:t>/</a:t>
+            </a:r>
+            <a:endParaRPr lang="en-US" dirty="0" smtClean="0"/>
+          </a:p>
+          <a:p>
+            <a:endParaRPr lang="ru-RU" dirty="0" smtClean="0"/>
+          </a:p>
+          <a:p>
+            <a:endParaRPr lang="en-US" dirty="0" smtClean="0"/>
           </a:p>
         </p:txBody>
       </p:sp>
     </p:spTree>
     <p:extLst>
       <p:ext uri="{BB962C8B-B14F-4D97-AF65-F5344CB8AC3E}">
-        <p14:creationId xmlns:p14="http://schemas.microsoft.com/office/powerpoint/2010/main" val="2622238131"/>
+        <p14:creationId xmlns:p14="http://schemas.microsoft.com/office/powerpoint/2010/main" val="2236621087"/>
       </p:ext>
     </p:extLst>
   </p:cSld>
@@ -13745,164 +14535,31 @@
             <p:ph type="title"/>
           </p:nvPr>
         </p:nvSpPr>
-        <p:spPr/>
-        <p:txBody>
-          <a:bodyPr/>
-          <a:lstStyle/>
-          <a:p>
-            <a:r>
-              <a:rPr lang="ru-RU" dirty="0" smtClean="0"/>
-              <a:t>Ссылки</a:t>
-            </a:r>
-            <a:endParaRPr lang="ru-RU" dirty="0"/>
-          </a:p>
-        </p:txBody>
-      </p:sp>
-      <p:sp>
-        <p:nvSpPr>
-          <p:cNvPr id="3" name="Объект 2"/>
-          <p:cNvSpPr>
-            <a:spLocks noGrp="1"/>
-          </p:cNvSpPr>
-          <p:nvPr>
-            <p:ph idx="1"/>
-          </p:nvPr>
-        </p:nvSpPr>
-        <p:spPr/>
+        <p:spPr>
+          <a:xfrm>
+            <a:off x="838200" y="2585810"/>
+            <a:ext cx="10515600" cy="1325563"/>
+          </a:xfrm>
+        </p:spPr>
         <p:txBody>
           <a:bodyPr>
             <a:normAutofit/>
           </a:bodyPr>
           <a:lstStyle/>
           <a:p>
-            <a:r>
-              <a:rPr lang="en-US" dirty="0">
-                <a:hlinkClick r:id="rId2"/>
-              </a:rPr>
-              <a:t>https://</a:t>
-            </a:r>
-            <a:r>
-              <a:rPr lang="en-US" dirty="0" err="1">
-                <a:hlinkClick r:id="rId2"/>
-              </a:rPr>
-              <a:t>habr.com</a:t>
-            </a:r>
-            <a:r>
-              <a:rPr lang="en-US" dirty="0">
-                <a:hlinkClick r:id="rId2"/>
-              </a:rPr>
-              <a:t>/</a:t>
-            </a:r>
-            <a:r>
-              <a:rPr lang="en-US" dirty="0" err="1">
-                <a:hlinkClick r:id="rId2"/>
-              </a:rPr>
-              <a:t>ru</a:t>
-            </a:r>
-            <a:r>
-              <a:rPr lang="en-US" dirty="0">
-                <a:hlinkClick r:id="rId2"/>
-              </a:rPr>
-              <a:t>/post/468379</a:t>
-            </a:r>
-            <a:r>
-              <a:rPr lang="en-US" dirty="0" smtClean="0">
-                <a:hlinkClick r:id="rId2"/>
-              </a:rPr>
-              <a:t>/</a:t>
-            </a:r>
-            <a:endParaRPr lang="ru-RU" dirty="0" smtClean="0"/>
-          </a:p>
-          <a:p>
-            <a:r>
-              <a:rPr lang="en-US" dirty="0">
-                <a:hlinkClick r:id="rId3"/>
-              </a:rPr>
-              <a:t>https://</a:t>
-            </a:r>
-            <a:r>
-              <a:rPr lang="en-US" dirty="0" err="1" smtClean="0">
-                <a:hlinkClick r:id="rId3"/>
-              </a:rPr>
-              <a:t>lilianweng.github.io</a:t>
-            </a:r>
-            <a:r>
-              <a:rPr lang="en-US" dirty="0" smtClean="0">
-                <a:hlinkClick r:id="rId3"/>
-              </a:rPr>
-              <a:t>/</a:t>
-            </a:r>
-            <a:r>
-              <a:rPr lang="en-US" dirty="0" err="1" smtClean="0">
-                <a:hlinkClick r:id="rId3"/>
-              </a:rPr>
-              <a:t>lil</a:t>
-            </a:r>
-            <a:r>
-              <a:rPr lang="en-US" dirty="0" smtClean="0">
-                <a:hlinkClick r:id="rId3"/>
-              </a:rPr>
-              <a:t>-log/2018/02/19/a-long-peek-into-reinforcement-</a:t>
-            </a:r>
-            <a:r>
-              <a:rPr lang="en-US" dirty="0" err="1" smtClean="0">
-                <a:hlinkClick r:id="rId3"/>
-              </a:rPr>
-              <a:t>learning.html</a:t>
-            </a:r>
-            <a:endParaRPr lang="ru-RU" dirty="0" smtClean="0"/>
-          </a:p>
-          <a:p>
-            <a:r>
-              <a:rPr lang="en-US" dirty="0">
-                <a:hlinkClick r:id="rId4"/>
-              </a:rPr>
-              <a:t>https://</a:t>
-            </a:r>
-            <a:r>
-              <a:rPr lang="en-US" dirty="0" err="1">
-                <a:hlinkClick r:id="rId4"/>
-              </a:rPr>
-              <a:t>habr.com</a:t>
-            </a:r>
-            <a:r>
-              <a:rPr lang="en-US" dirty="0">
-                <a:hlinkClick r:id="rId4"/>
-              </a:rPr>
-              <a:t>/</a:t>
-            </a:r>
-            <a:r>
-              <a:rPr lang="en-US" dirty="0" err="1">
-                <a:hlinkClick r:id="rId4"/>
-              </a:rPr>
-              <a:t>ru</a:t>
-            </a:r>
-            <a:r>
-              <a:rPr lang="en-US" dirty="0">
-                <a:hlinkClick r:id="rId4"/>
-              </a:rPr>
-              <a:t>/post/437020</a:t>
-            </a:r>
-            <a:r>
-              <a:rPr lang="en-US" dirty="0" smtClean="0">
-                <a:hlinkClick r:id="rId4"/>
-              </a:rPr>
-              <a:t>/</a:t>
-            </a:r>
-            <a:endParaRPr lang="en-US" dirty="0" smtClean="0"/>
-          </a:p>
-          <a:p>
-            <a:endParaRPr lang="ru-RU" dirty="0" smtClean="0"/>
-          </a:p>
-          <a:p>
-            <a:endParaRPr lang="en-US" dirty="0" smtClean="0"/>
+            <a:pPr algn="ctr"/>
+            <a:r>
+              <a:rPr lang="ru-RU" sz="6000" dirty="0" smtClean="0"/>
+              <a:t>Спасибо за внимание</a:t>
+            </a:r>
+            <a:endParaRPr lang="ru-RU" sz="6000" dirty="0"/>
           </a:p>
         </p:txBody>
       </p:sp>
     </p:spTree>
     <p:extLst>
       <p:ext uri="{BB962C8B-B14F-4D97-AF65-F5344CB8AC3E}">
-        <p14:creationId xmlns:p14="http://schemas.microsoft.com/office/powerpoint/2010/main" val="2236621087"/>
+        <p14:creationId xmlns:p14="http://schemas.microsoft.com/office/powerpoint/2010/main" val="3287438502"/>
       </p:ext>
     </p:extLst>
   </p:cSld>
@@ -13946,31 +14603,97 @@
             <p:ph type="title"/>
           </p:nvPr>
         </p:nvSpPr>
-        <p:spPr>
-          <a:xfrm>
-            <a:off x="838200" y="2585810"/>
-            <a:ext cx="10515600" cy="1325563"/>
-          </a:xfrm>
-        </p:spPr>
+        <p:spPr/>
+        <p:txBody>
+          <a:bodyPr/>
+          <a:lstStyle/>
+          <a:p>
+            <a:r>
+              <a:rPr lang="ru-RU" dirty="0" smtClean="0"/>
+              <a:t>Контрольные вопросы</a:t>
+            </a:r>
+            <a:endParaRPr lang="ru-RU" dirty="0"/>
+          </a:p>
+        </p:txBody>
+      </p:sp>
+      <p:sp>
+        <p:nvSpPr>
+          <p:cNvPr id="3" name="Объект 2"/>
+          <p:cNvSpPr>
+            <a:spLocks noGrp="1"/>
+          </p:cNvSpPr>
+          <p:nvPr>
+            <p:ph idx="1"/>
+          </p:nvPr>
+        </p:nvSpPr>
+        <p:spPr/>
         <p:txBody>
           <a:bodyPr>
             <a:normAutofit/>
           </a:bodyPr>
           <a:lstStyle/>
           <a:p>
-            <a:pPr algn="ctr"/>
-            <a:r>
-              <a:rPr lang="ru-RU" sz="6000" dirty="0" smtClean="0"/>
-              <a:t>Спасибо за внимание</a:t>
-            </a:r>
-            <a:endParaRPr lang="ru-RU" sz="6000" dirty="0"/>
+            <a:pPr marL="0" lvl="0" indent="0">
+              <a:buNone/>
+            </a:pPr>
+            <a:r>
+              <a:rPr lang="ru-RU" dirty="0"/>
+              <a:t>Какой из типов искусственного интеллекта должен решать тест Тьюринга</a:t>
+            </a:r>
+            <a:r>
+              <a:rPr lang="ru-RU" dirty="0" smtClean="0"/>
+              <a:t>?</a:t>
+            </a:r>
+          </a:p>
+          <a:p>
+            <a:pPr marL="0" lvl="0" indent="0">
+              <a:buNone/>
+            </a:pPr>
+            <a:endParaRPr lang="ru-RU" dirty="0"/>
+          </a:p>
+          <a:p>
+            <a:r>
+              <a:rPr lang="ru-RU" dirty="0"/>
+              <a:t>Сильный искусственный интеллект.</a:t>
+            </a:r>
+          </a:p>
+          <a:p>
+            <a:r>
+              <a:rPr lang="ru-RU" dirty="0"/>
+              <a:t>Слабый искусственный интеллект.</a:t>
+            </a:r>
+          </a:p>
+          <a:p>
+            <a:r>
+              <a:rPr lang="ru-RU" dirty="0"/>
+              <a:t>Искусственный интеллект общего назначения (</a:t>
+            </a:r>
+            <a:r>
+              <a:rPr lang="en-US" dirty="0"/>
+              <a:t>AGI</a:t>
+            </a:r>
+            <a:r>
+              <a:rPr lang="ru-RU" dirty="0"/>
+              <a:t>)</a:t>
+            </a:r>
+          </a:p>
+          <a:p>
+            <a:r>
+              <a:rPr lang="ru-RU" dirty="0"/>
+              <a:t>Ни один из приведённых вариантов</a:t>
+            </a:r>
+            <a:r>
+              <a:rPr lang="ru-RU" dirty="0" smtClean="0"/>
+              <a:t>.</a:t>
+            </a:r>
+            <a:endParaRPr lang="ru-RU" dirty="0"/>
           </a:p>
         </p:txBody>
       </p:sp>
     </p:spTree>
     <p:extLst>
       <p:ext uri="{BB962C8B-B14F-4D97-AF65-F5344CB8AC3E}">
-        <p14:creationId xmlns:p14="http://schemas.microsoft.com/office/powerpoint/2010/main" val="3287438502"/>
+        <p14:creationId xmlns:p14="http://schemas.microsoft.com/office/powerpoint/2010/main" val="63509945"/>
       </p:ext>
     </p:extLst>
   </p:cSld>
@@ -14047,6 +14770,56 @@
             <a:pPr marL="0" lvl="0" indent="0">
               <a:buNone/>
             </a:pPr>
+            <a:r>
+              <a:rPr lang="ru-RU" dirty="0"/>
+              <a:t>Что не являются одним из путей к построению </a:t>
+            </a:r>
+            <a:r>
+              <a:rPr lang="en-US" dirty="0"/>
+              <a:t>AGI</a:t>
+            </a:r>
+            <a:r>
+              <a:rPr lang="ru-RU" dirty="0" smtClean="0"/>
+              <a:t>?</a:t>
+            </a:r>
+          </a:p>
+          <a:p>
+            <a:pPr marL="0" lvl="0" indent="0">
+              <a:buNone/>
+            </a:pPr>
+            <a:endParaRPr lang="ru-RU" dirty="0"/>
+          </a:p>
+          <a:p>
+            <a:r>
+              <a:rPr lang="ru-RU" dirty="0"/>
+              <a:t>Обработка естественного языка.</a:t>
+            </a:r>
+          </a:p>
+          <a:p>
+            <a:r>
+              <a:rPr lang="en-US" dirty="0" err="1"/>
+              <a:t>Рекур</a:t>
+            </a:r>
+            <a:r>
+              <a:rPr lang="ru-RU" dirty="0"/>
+              <a:t>рентные нейронные сети.</a:t>
+            </a:r>
+          </a:p>
+          <a:p>
+            <a:r>
+              <a:rPr lang="ru-RU" dirty="0"/>
+              <a:t>Обучение с подкреплением.</a:t>
+            </a:r>
+          </a:p>
+          <a:p>
+            <a:r>
+              <a:rPr lang="ru-RU" dirty="0"/>
+              <a:t>Компьютерное зрение</a:t>
+            </a:r>
+            <a:r>
+              <a:rPr lang="ru-RU" dirty="0" smtClean="0"/>
+              <a:t>.</a:t>
+            </a:r>
             <a:endParaRPr lang="ru-RU" dirty="0"/>
           </a:p>
         </p:txBody>
@@ -14054,7 +14827,536 @@
     </p:spTree>
     <p:extLst>
       <p:ext uri="{BB962C8B-B14F-4D97-AF65-F5344CB8AC3E}">
-        <p14:creationId xmlns:p14="http://schemas.microsoft.com/office/powerpoint/2010/main" val="63509945"/>
+        <p14:creationId xmlns:p14="http://schemas.microsoft.com/office/powerpoint/2010/main" val="4228132784"/>
+      </p:ext>
+    </p:extLst>
+  </p:cSld>
+  <p:clrMapOvr>
+    <a:masterClrMapping/>
+  </p:clrMapOvr>
+  <p:timing>
+    <p:tnLst>
+      <p:par>
+        <p:cTn id="1" dur="indefinite" restart="never" nodeType="tmRoot"/>
+      </p:par>
+    </p:tnLst>
+  </p:timing>
+</p:sld>
+</file>
+
+<file path=ppt/slides/slide46.xml><?xml version="1.0" encoding="utf-8"?>
+<p:sld xmlns:a="http://schemas.openxmlformats.org/drawingml/2006/main" xmlns:r="http://schemas.openxmlformats.org/officeDocument/2006/relationships" xmlns:p="http://schemas.openxmlformats.org/presentationml/2006/main">
+  <p:cSld>
+    <p:spTree>
+      <p:nvGrpSpPr>
+        <p:cNvPr id="1" name=""/>
+        <p:cNvGrpSpPr/>
+        <p:nvPr/>
+      </p:nvGrpSpPr>
+      <p:grpSpPr>
+        <a:xfrm>
+          <a:off x="0" y="0"/>
+          <a:ext cx="0" cy="0"/>
+          <a:chOff x="0" y="0"/>
+          <a:chExt cx="0" cy="0"/>
+        </a:xfrm>
+      </p:grpSpPr>
+      <p:sp>
+        <p:nvSpPr>
+          <p:cNvPr id="2" name="Заголовок 1"/>
+          <p:cNvSpPr>
+            <a:spLocks noGrp="1"/>
+          </p:cNvSpPr>
+          <p:nvPr>
+            <p:ph type="title"/>
+          </p:nvPr>
+        </p:nvSpPr>
+        <p:spPr/>
+        <p:txBody>
+          <a:bodyPr/>
+          <a:lstStyle/>
+          <a:p>
+            <a:r>
+              <a:rPr lang="ru-RU" dirty="0" smtClean="0"/>
+              <a:t>Контрольные вопросы</a:t>
+            </a:r>
+            <a:endParaRPr lang="ru-RU" dirty="0"/>
+          </a:p>
+        </p:txBody>
+      </p:sp>
+      <p:sp>
+        <p:nvSpPr>
+          <p:cNvPr id="3" name="Объект 2"/>
+          <p:cNvSpPr>
+            <a:spLocks noGrp="1"/>
+          </p:cNvSpPr>
+          <p:nvPr>
+            <p:ph idx="1"/>
+          </p:nvPr>
+        </p:nvSpPr>
+        <p:spPr/>
+        <p:txBody>
+          <a:bodyPr>
+            <a:normAutofit/>
+          </a:bodyPr>
+          <a:lstStyle/>
+          <a:p>
+            <a:pPr marL="0" lvl="0" indent="0">
+              <a:buNone/>
+            </a:pPr>
+            <a:r>
+              <a:rPr lang="ru-RU" dirty="0"/>
+              <a:t>Что не является частью входных данных в задаче обучения с подкреплением</a:t>
+            </a:r>
+            <a:r>
+              <a:rPr lang="ru-RU" dirty="0" smtClean="0"/>
+              <a:t>?</a:t>
+            </a:r>
+          </a:p>
+          <a:p>
+            <a:pPr marL="0" lvl="0" indent="0">
+              <a:buNone/>
+            </a:pPr>
+            <a:endParaRPr lang="ru-RU" dirty="0"/>
+          </a:p>
+          <a:p>
+            <a:r>
+              <a:rPr lang="ru-RU" dirty="0"/>
+              <a:t>Множество действий.</a:t>
+            </a:r>
+          </a:p>
+          <a:p>
+            <a:r>
+              <a:rPr lang="ru-RU" dirty="0"/>
+              <a:t>Функция подкрепления.</a:t>
+            </a:r>
+          </a:p>
+          <a:p>
+            <a:r>
+              <a:rPr lang="ru-RU" dirty="0"/>
+              <a:t>Стратегия выбора действий.</a:t>
+            </a:r>
+          </a:p>
+          <a:p>
+            <a:r>
+              <a:rPr lang="ru-RU" dirty="0"/>
+              <a:t>Множество состояний среды</a:t>
+            </a:r>
+            <a:r>
+              <a:rPr lang="ru-RU" dirty="0" smtClean="0"/>
+              <a:t>.</a:t>
+            </a:r>
+            <a:endParaRPr lang="ru-RU" dirty="0"/>
+          </a:p>
+        </p:txBody>
+      </p:sp>
+    </p:spTree>
+    <p:extLst>
+      <p:ext uri="{BB962C8B-B14F-4D97-AF65-F5344CB8AC3E}">
+        <p14:creationId xmlns:p14="http://schemas.microsoft.com/office/powerpoint/2010/main" val="1669415529"/>
+      </p:ext>
+    </p:extLst>
+  </p:cSld>
+  <p:clrMapOvr>
+    <a:masterClrMapping/>
+  </p:clrMapOvr>
+  <p:timing>
+    <p:tnLst>
+      <p:par>
+        <p:cTn id="1" dur="indefinite" restart="never" nodeType="tmRoot"/>
+      </p:par>
+    </p:tnLst>
+  </p:timing>
+</p:sld>
+</file>
+
+<file path=ppt/slides/slide47.xml><?xml version="1.0" encoding="utf-8"?>
+<p:sld xmlns:a="http://schemas.openxmlformats.org/drawingml/2006/main" xmlns:r="http://schemas.openxmlformats.org/officeDocument/2006/relationships" xmlns:p="http://schemas.openxmlformats.org/presentationml/2006/main">
+  <p:cSld>
+    <p:spTree>
+      <p:nvGrpSpPr>
+        <p:cNvPr id="1" name=""/>
+        <p:cNvGrpSpPr/>
+        <p:nvPr/>
+      </p:nvGrpSpPr>
+      <p:grpSpPr>
+        <a:xfrm>
+          <a:off x="0" y="0"/>
+          <a:ext cx="0" cy="0"/>
+          <a:chOff x="0" y="0"/>
+          <a:chExt cx="0" cy="0"/>
+        </a:xfrm>
+      </p:grpSpPr>
+      <p:sp>
+        <p:nvSpPr>
+          <p:cNvPr id="2" name="Заголовок 1"/>
+          <p:cNvSpPr>
+            <a:spLocks noGrp="1"/>
+          </p:cNvSpPr>
+          <p:nvPr>
+            <p:ph type="title"/>
+          </p:nvPr>
+        </p:nvSpPr>
+        <p:spPr/>
+        <p:txBody>
+          <a:bodyPr/>
+          <a:lstStyle/>
+          <a:p>
+            <a:r>
+              <a:rPr lang="ru-RU" dirty="0" smtClean="0"/>
+              <a:t>Контрольные вопросы</a:t>
+            </a:r>
+            <a:endParaRPr lang="ru-RU" dirty="0"/>
+          </a:p>
+        </p:txBody>
+      </p:sp>
+      <p:sp>
+        <p:nvSpPr>
+          <p:cNvPr id="3" name="Объект 2"/>
+          <p:cNvSpPr>
+            <a:spLocks noGrp="1"/>
+          </p:cNvSpPr>
+          <p:nvPr>
+            <p:ph idx="1"/>
+          </p:nvPr>
+        </p:nvSpPr>
+        <p:spPr/>
+        <p:txBody>
+          <a:bodyPr>
+            <a:normAutofit/>
+          </a:bodyPr>
+          <a:lstStyle/>
+          <a:p>
+            <a:pPr marL="0" lvl="0" indent="0">
+              <a:buNone/>
+            </a:pPr>
+            <a:r>
+              <a:rPr lang="ru-RU" dirty="0"/>
+              <a:t>Какой из перечисленных методов обучения с подкреплениям является основанным на модели</a:t>
+            </a:r>
+            <a:r>
+              <a:rPr lang="ru-RU" dirty="0" smtClean="0"/>
+              <a:t>?</a:t>
+            </a:r>
+          </a:p>
+          <a:p>
+            <a:pPr marL="0" lvl="0" indent="0">
+              <a:buNone/>
+            </a:pPr>
+            <a:endParaRPr lang="ru-RU" dirty="0"/>
+          </a:p>
+          <a:p>
+            <a:r>
+              <a:rPr lang="en-US" dirty="0"/>
+              <a:t>Q</a:t>
+            </a:r>
+            <a:r>
+              <a:rPr lang="ru-RU" dirty="0"/>
+              <a:t>-обучение.</a:t>
+            </a:r>
+          </a:p>
+          <a:p>
+            <a:r>
+              <a:rPr lang="ru-RU" dirty="0"/>
+              <a:t>Метод Монте-Карло.</a:t>
+            </a:r>
+          </a:p>
+          <a:p>
+            <a:r>
+              <a:rPr lang="en-US" dirty="0"/>
+              <a:t>SARSA</a:t>
+            </a:r>
+            <a:r>
+              <a:rPr lang="ru-RU" dirty="0"/>
+              <a:t>.</a:t>
+            </a:r>
+          </a:p>
+          <a:p>
+            <a:r>
+              <a:rPr lang="en-US" dirty="0" err="1"/>
+              <a:t>Динамическое</a:t>
+            </a:r>
+            <a:r>
+              <a:rPr lang="en-US" dirty="0"/>
+              <a:t> </a:t>
+            </a:r>
+            <a:r>
+              <a:rPr lang="en-US" dirty="0" err="1"/>
+              <a:t>программирование</a:t>
+            </a:r>
+            <a:r>
+              <a:rPr lang="ru-RU" dirty="0" smtClean="0"/>
+              <a:t>.</a:t>
+            </a:r>
+            <a:endParaRPr lang="ru-RU" dirty="0"/>
+          </a:p>
+        </p:txBody>
+      </p:sp>
+    </p:spTree>
+    <p:extLst>
+      <p:ext uri="{BB962C8B-B14F-4D97-AF65-F5344CB8AC3E}">
+        <p14:creationId xmlns:p14="http://schemas.microsoft.com/office/powerpoint/2010/main" val="2726018258"/>
+      </p:ext>
+    </p:extLst>
+  </p:cSld>
+  <p:clrMapOvr>
+    <a:masterClrMapping/>
+  </p:clrMapOvr>
+  <p:timing>
+    <p:tnLst>
+      <p:par>
+        <p:cTn id="1" dur="indefinite" restart="never" nodeType="tmRoot"/>
+      </p:par>
+    </p:tnLst>
+  </p:timing>
+</p:sld>
+</file>
+
+<file path=ppt/slides/slide48.xml><?xml version="1.0" encoding="utf-8"?>
+<p:sld xmlns:a="http://schemas.openxmlformats.org/drawingml/2006/main" xmlns:r="http://schemas.openxmlformats.org/officeDocument/2006/relationships" xmlns:p="http://schemas.openxmlformats.org/presentationml/2006/main">
+  <p:cSld>
+    <p:spTree>
+      <p:nvGrpSpPr>
+        <p:cNvPr id="1" name=""/>
+        <p:cNvGrpSpPr/>
+        <p:nvPr/>
+      </p:nvGrpSpPr>
+      <p:grpSpPr>
+        <a:xfrm>
+          <a:off x="0" y="0"/>
+          <a:ext cx="0" cy="0"/>
+          <a:chOff x="0" y="0"/>
+          <a:chExt cx="0" cy="0"/>
+        </a:xfrm>
+      </p:grpSpPr>
+      <p:sp>
+        <p:nvSpPr>
+          <p:cNvPr id="2" name="Заголовок 1"/>
+          <p:cNvSpPr>
+            <a:spLocks noGrp="1"/>
+          </p:cNvSpPr>
+          <p:nvPr>
+            <p:ph type="title"/>
+          </p:nvPr>
+        </p:nvSpPr>
+        <p:spPr/>
+        <p:txBody>
+          <a:bodyPr/>
+          <a:lstStyle/>
+          <a:p>
+            <a:r>
+              <a:rPr lang="ru-RU" dirty="0" smtClean="0"/>
+              <a:t>Контрольные вопросы</a:t>
+            </a:r>
+            <a:endParaRPr lang="ru-RU" dirty="0"/>
+          </a:p>
+        </p:txBody>
+      </p:sp>
+      <p:sp>
+        <p:nvSpPr>
+          <p:cNvPr id="3" name="Объект 2"/>
+          <p:cNvSpPr>
+            <a:spLocks noGrp="1"/>
+          </p:cNvSpPr>
+          <p:nvPr>
+            <p:ph idx="1"/>
+          </p:nvPr>
+        </p:nvSpPr>
+        <p:spPr/>
+        <p:txBody>
+          <a:bodyPr>
+            <a:normAutofit/>
+          </a:bodyPr>
+          <a:lstStyle/>
+          <a:p>
+            <a:pPr marL="0" lvl="0" indent="0">
+              <a:buNone/>
+            </a:pPr>
+            <a:r>
+              <a:rPr lang="ru-RU" dirty="0"/>
+              <a:t>В чём заключается основное ограничение метода Монте-Карло при решении задачи обучения с подкреплением</a:t>
+            </a:r>
+            <a:r>
+              <a:rPr lang="ru-RU" dirty="0" smtClean="0"/>
+              <a:t>?</a:t>
+            </a:r>
+          </a:p>
+          <a:p>
+            <a:pPr marL="0" lvl="0" indent="0">
+              <a:buNone/>
+            </a:pPr>
+            <a:endParaRPr lang="ru-RU" dirty="0"/>
+          </a:p>
+          <a:p>
+            <a:r>
+              <a:rPr lang="ru-RU" dirty="0"/>
+              <a:t>Необходимы завершённые эпизоды опыта агента.</a:t>
+            </a:r>
+          </a:p>
+          <a:p>
+            <a:r>
+              <a:rPr lang="ru-RU" dirty="0"/>
+              <a:t>Количество действий должно быть меньше количества состояний среды.</a:t>
+            </a:r>
+          </a:p>
+          <a:p>
+            <a:r>
+              <a:rPr lang="ru-RU" dirty="0"/>
+              <a:t>Необходимо иметь полную модель среды.</a:t>
+            </a:r>
+          </a:p>
+          <a:p>
+            <a:r>
+              <a:rPr lang="ru-RU" dirty="0"/>
+              <a:t>Стратегия выбора действия должна описываться линейной функцией</a:t>
+            </a:r>
+            <a:r>
+              <a:rPr lang="ru-RU" dirty="0" smtClean="0"/>
+              <a:t>.</a:t>
+            </a:r>
+            <a:endParaRPr lang="ru-RU" dirty="0"/>
+          </a:p>
+        </p:txBody>
+      </p:sp>
+    </p:spTree>
+    <p:extLst>
+      <p:ext uri="{BB962C8B-B14F-4D97-AF65-F5344CB8AC3E}">
+        <p14:creationId xmlns:p14="http://schemas.microsoft.com/office/powerpoint/2010/main" val="1100243243"/>
+      </p:ext>
+    </p:extLst>
+  </p:cSld>
+  <p:clrMapOvr>
+    <a:masterClrMapping/>
+  </p:clrMapOvr>
+  <p:timing>
+    <p:tnLst>
+      <p:par>
+        <p:cTn id="1" dur="indefinite" restart="never" nodeType="tmRoot"/>
+      </p:par>
+    </p:tnLst>
+  </p:timing>
+</p:sld>
+</file>
+
+<file path=ppt/slides/slide49.xml><?xml version="1.0" encoding="utf-8"?>
+<p:sld xmlns:a="http://schemas.openxmlformats.org/drawingml/2006/main" xmlns:r="http://schemas.openxmlformats.org/officeDocument/2006/relationships" xmlns:p="http://schemas.openxmlformats.org/presentationml/2006/main">
+  <p:cSld>
+    <p:spTree>
+      <p:nvGrpSpPr>
+        <p:cNvPr id="1" name=""/>
+        <p:cNvGrpSpPr/>
+        <p:nvPr/>
+      </p:nvGrpSpPr>
+      <p:grpSpPr>
+        <a:xfrm>
+          <a:off x="0" y="0"/>
+          <a:ext cx="0" cy="0"/>
+          <a:chOff x="0" y="0"/>
+          <a:chExt cx="0" cy="0"/>
+        </a:xfrm>
+      </p:grpSpPr>
+      <p:sp>
+        <p:nvSpPr>
+          <p:cNvPr id="2" name="Заголовок 1"/>
+          <p:cNvSpPr>
+            <a:spLocks noGrp="1"/>
+          </p:cNvSpPr>
+          <p:nvPr>
+            <p:ph type="title"/>
+          </p:nvPr>
+        </p:nvSpPr>
+        <p:spPr/>
+        <p:txBody>
+          <a:bodyPr/>
+          <a:lstStyle/>
+          <a:p>
+            <a:r>
+              <a:rPr lang="ru-RU" dirty="0" smtClean="0"/>
+              <a:t>Контрольные вопросы</a:t>
+            </a:r>
+            <a:endParaRPr lang="ru-RU" dirty="0"/>
+          </a:p>
+        </p:txBody>
+      </p:sp>
+      <p:sp>
+        <p:nvSpPr>
+          <p:cNvPr id="3" name="Объект 2"/>
+          <p:cNvSpPr>
+            <a:spLocks noGrp="1"/>
+          </p:cNvSpPr>
+          <p:nvPr>
+            <p:ph idx="1"/>
+          </p:nvPr>
+        </p:nvSpPr>
+        <p:spPr/>
+        <p:txBody>
+          <a:bodyPr>
+            <a:normAutofit/>
+          </a:bodyPr>
+          <a:lstStyle/>
+          <a:p>
+            <a:pPr marL="0" lvl="0" indent="0">
+              <a:buNone/>
+            </a:pPr>
+            <a:r>
+              <a:rPr lang="ru-RU" dirty="0"/>
+              <a:t>Какой из перечисленных методов решения задачи обучения с подкреплением не использует понятие временной разности</a:t>
+            </a:r>
+            <a:r>
+              <a:rPr lang="ru-RU" dirty="0" smtClean="0"/>
+              <a:t>?</a:t>
+            </a:r>
+          </a:p>
+          <a:p>
+            <a:pPr marL="0" lvl="0" indent="0">
+              <a:buNone/>
+            </a:pPr>
+            <a:endParaRPr lang="ru-RU" dirty="0"/>
+          </a:p>
+          <a:p>
+            <a:r>
+              <a:rPr lang="en-US" dirty="0"/>
+              <a:t>SARSA</a:t>
+            </a:r>
+            <a:r>
+              <a:rPr lang="ru-RU" dirty="0"/>
+              <a:t>.</a:t>
+            </a:r>
+          </a:p>
+          <a:p>
+            <a:r>
+              <a:rPr lang="en-US" dirty="0"/>
+              <a:t>Deep Q-Network.</a:t>
+            </a:r>
+            <a:endParaRPr lang="ru-RU" dirty="0"/>
+          </a:p>
+          <a:p>
+            <a:r>
+              <a:rPr lang="ru-RU" dirty="0"/>
+              <a:t>Метод Монте-Карло.</a:t>
+            </a:r>
+          </a:p>
+          <a:p>
+            <a:r>
+              <a:rPr lang="en-US" dirty="0"/>
+              <a:t>Q-</a:t>
+            </a:r>
+            <a:r>
+              <a:rPr lang="ru-RU" dirty="0"/>
+              <a:t>обучение</a:t>
+            </a:r>
+            <a:r>
+              <a:rPr lang="ru-RU" dirty="0" smtClean="0"/>
+              <a:t>.</a:t>
+            </a:r>
+            <a:endParaRPr lang="ru-RU" dirty="0"/>
+          </a:p>
+        </p:txBody>
+      </p:sp>
+    </p:spTree>
+    <p:extLst>
+      <p:ext uri="{BB962C8B-B14F-4D97-AF65-F5344CB8AC3E}">
+        <p14:creationId xmlns:p14="http://schemas.microsoft.com/office/powerpoint/2010/main" val="3557790350"/>
       </p:ext>
     </p:extLst>
   </p:cSld>
@@ -14131,7 +15433,7 @@
               <a:buNone/>
             </a:pPr>
             <a:r>
-              <a:rPr lang="en-US" b="1" dirty="0" err="1" smtClean="0"/>
+              <a:rPr lang="en-US" b="1" dirty="0" smtClean="0"/>
               <a:t>AGI</a:t>
             </a:r>
             <a:r>
@@ -14189,6 +15491,172 @@
     <p:extLst>
       <p:ext uri="{BB962C8B-B14F-4D97-AF65-F5344CB8AC3E}">
         <p14:creationId xmlns:p14="http://schemas.microsoft.com/office/powerpoint/2010/main" val="3021344308"/>
+      </p:ext>
+    </p:extLst>
+  </p:cSld>
+  <p:clrMapOvr>
+    <a:masterClrMapping/>
+  </p:clrMapOvr>
+  <p:timing>
+    <p:tnLst>
+      <p:par>
+        <p:cTn id="1" dur="indefinite" restart="never" nodeType="tmRoot"/>
+      </p:par>
+    </p:tnLst>
+  </p:timing>
+</p:sld>
+</file>
+
+<file path=ppt/slides/slide50.xml><?xml version="1.0" encoding="utf-8"?>
+<p:sld xmlns:a="http://schemas.openxmlformats.org/drawingml/2006/main" xmlns:r="http://schemas.openxmlformats.org/officeDocument/2006/relationships" xmlns:p="http://schemas.openxmlformats.org/presentationml/2006/main">
+  <p:cSld>
+    <p:spTree>
+      <p:nvGrpSpPr>
+        <p:cNvPr id="1" name=""/>
+        <p:cNvGrpSpPr/>
+        <p:nvPr/>
+      </p:nvGrpSpPr>
+      <p:grpSpPr>
+        <a:xfrm>
+          <a:off x="0" y="0"/>
+          <a:ext cx="0" cy="0"/>
+          <a:chOff x="0" y="0"/>
+          <a:chExt cx="0" cy="0"/>
+        </a:xfrm>
+      </p:grpSpPr>
+      <p:sp>
+        <p:nvSpPr>
+          <p:cNvPr id="2" name="Заголовок 1"/>
+          <p:cNvSpPr>
+            <a:spLocks noGrp="1"/>
+          </p:cNvSpPr>
+          <p:nvPr>
+            <p:ph type="title"/>
+          </p:nvPr>
+        </p:nvSpPr>
+        <p:spPr/>
+        <p:txBody>
+          <a:bodyPr/>
+          <a:lstStyle/>
+          <a:p>
+            <a:r>
+              <a:rPr lang="ru-RU" dirty="0" smtClean="0"/>
+              <a:t>Контрольные вопросы</a:t>
+            </a:r>
+            <a:endParaRPr lang="ru-RU" dirty="0"/>
+          </a:p>
+        </p:txBody>
+      </p:sp>
+      <p:sp>
+        <p:nvSpPr>
+          <p:cNvPr id="3" name="Объект 2"/>
+          <p:cNvSpPr>
+            <a:spLocks noGrp="1"/>
+          </p:cNvSpPr>
+          <p:nvPr>
+            <p:ph idx="1"/>
+          </p:nvPr>
+        </p:nvSpPr>
+        <p:spPr/>
+        <p:txBody>
+          <a:bodyPr>
+            <a:normAutofit/>
+          </a:bodyPr>
+          <a:lstStyle/>
+          <a:p>
+            <a:pPr marL="0" lvl="0" indent="0">
+              <a:buNone/>
+            </a:pPr>
+            <a:r>
+              <a:rPr lang="ru-RU" dirty="0"/>
+              <a:t>В чем различие между </a:t>
+            </a:r>
+            <a:r>
+              <a:rPr lang="en-US" dirty="0"/>
+              <a:t>SARSA </a:t>
+            </a:r>
+            <a:r>
+              <a:rPr lang="ru-RU" dirty="0"/>
+              <a:t>и </a:t>
+            </a:r>
+            <a:r>
+              <a:rPr lang="en-US" dirty="0"/>
+              <a:t>Q</a:t>
+            </a:r>
+            <a:r>
+              <a:rPr lang="ru-RU"/>
+              <a:t>-обучением</a:t>
+            </a:r>
+            <a:r>
+              <a:rPr lang="ru-RU" smtClean="0"/>
+              <a:t>?</a:t>
+            </a:r>
+          </a:p>
+          <a:p>
+            <a:pPr marL="0" lvl="0" indent="0">
+              <a:buNone/>
+            </a:pPr>
+            <a:endParaRPr lang="ru-RU" dirty="0"/>
+          </a:p>
+          <a:p>
+            <a:r>
+              <a:rPr lang="ru-RU" dirty="0"/>
+              <a:t>В способ обновления значений качества </a:t>
+            </a:r>
+            <a:r>
+              <a:rPr lang="en-US" dirty="0"/>
+              <a:t>Q</a:t>
+            </a:r>
+            <a:r>
+              <a:rPr lang="ru-RU" dirty="0"/>
+              <a:t>(</a:t>
+            </a:r>
+            <a:r>
+              <a:rPr lang="en-US" dirty="0"/>
+              <a:t>s</a:t>
+            </a:r>
+            <a:r>
+              <a:rPr lang="ru-RU" dirty="0"/>
+              <a:t>,</a:t>
+            </a:r>
+            <a:r>
+              <a:rPr lang="en-US" dirty="0"/>
+              <a:t>a</a:t>
+            </a:r>
+            <a:r>
+              <a:rPr lang="ru-RU" dirty="0"/>
+              <a:t>).</a:t>
+            </a:r>
+          </a:p>
+          <a:p>
+            <a:r>
+              <a:rPr lang="ru-RU" dirty="0"/>
+              <a:t>В способе выбора действия.</a:t>
+            </a:r>
+          </a:p>
+          <a:p>
+            <a:r>
+              <a:rPr lang="ru-RU" dirty="0"/>
+              <a:t>В учёте влияния подкрепления.</a:t>
+            </a:r>
+          </a:p>
+          <a:p>
+            <a:r>
+              <a:rPr lang="ru-RU" dirty="0"/>
+              <a:t>В использовании коэффициента дисконтирования</a:t>
+            </a:r>
+            <a:r>
+              <a:rPr lang="ru-RU" dirty="0" smtClean="0"/>
+              <a:t>.</a:t>
+            </a:r>
+            <a:endParaRPr lang="ru-RU" dirty="0"/>
+          </a:p>
+        </p:txBody>
+      </p:sp>
+    </p:spTree>
+    <p:extLst>
+      <p:ext uri="{BB962C8B-B14F-4D97-AF65-F5344CB8AC3E}">
+        <p14:creationId xmlns:p14="http://schemas.microsoft.com/office/powerpoint/2010/main" val="1543344917"/>
       </p:ext>
     </p:extLst>
   </p:cSld>
@@ -14359,15 +15827,7 @@
           <a:p>
             <a:r>
               <a:rPr lang="ru-RU" sz="3600" dirty="0"/>
-              <a:t>«Китайская комната», Джон </a:t>
-            </a:r>
-            <a:r>
-              <a:rPr lang="ru-RU" sz="3600" dirty="0" err="1"/>
-              <a:t>Сёрл</a:t>
-            </a:r>
-            <a:r>
-              <a:rPr lang="ru-RU" sz="3600" dirty="0"/>
-              <a:t>, 1980 </a:t>
+              <a:t>«Китайская комната», Джон Сёрл, 1980 </a:t>
             </a:r>
             <a:r>
               <a:rPr lang="ru-RU" sz="3600" dirty="0" smtClean="0"/>
@@ -15244,7 +16704,7 @@
             <a:bodyPr/>
             <a:lstStyle/>
             <a:p>
-              <a:endParaRPr lang="ru-RU"/>
+              <a:endParaRPr lang="ru-RU" dirty="0"/>
             </a:p>
           </p:txBody>
         </p:sp>
@@ -15295,7 +16755,7 @@
             <a:bodyPr/>
             <a:lstStyle/>
             <a:p>
-              <a:endParaRPr lang="ru-RU"/>
+              <a:endParaRPr lang="ru-RU" dirty="0"/>
             </a:p>
           </p:txBody>
         </p:sp>
@@ -15704,7 +17164,7 @@
                 <a:buNone/>
               </a:pPr>
               <a:r>
-                <a:rPr lang="ru-RU" altLang="ru-RU"/>
+                <a:rPr lang="ru-RU" altLang="ru-RU" dirty="0"/>
                 <a:t>Вопрос</a:t>
               </a:r>
             </a:p>
@@ -16115,7 +17575,7 @@
                 <a:buNone/>
               </a:pPr>
               <a:r>
-                <a:rPr lang="ru-RU" altLang="ru-RU"/>
+                <a:rPr lang="ru-RU" altLang="ru-RU" dirty="0"/>
                 <a:t>Ответ</a:t>
               </a:r>
             </a:p>
@@ -16167,7 +17627,7 @@
             <a:bodyPr wrap="none" anchor="ctr"/>
             <a:lstStyle/>
             <a:p>
-              <a:endParaRPr lang="ru-RU"/>
+              <a:endParaRPr lang="ru-RU" dirty="0"/>
             </a:p>
           </p:txBody>
         </p:sp>
@@ -16568,7 +18028,7 @@
                 <a:buNone/>
               </a:pPr>
               <a:r>
-                <a:rPr lang="ru-RU" altLang="ru-RU"/>
+                <a:rPr lang="ru-RU" altLang="ru-RU" dirty="0"/>
                 <a:t>Алгоритм</a:t>
               </a:r>
             </a:p>
@@ -16621,7 +18081,7 @@
             <a:bodyPr/>
             <a:lstStyle/>
             <a:p>
-              <a:endParaRPr lang="ru-RU"/>
+              <a:endParaRPr lang="ru-RU" dirty="0"/>
             </a:p>
           </p:txBody>
         </p:sp>
@@ -16672,7 +18132,7 @@
             <a:bodyPr/>
             <a:lstStyle/>
             <a:p>
-              <a:endParaRPr lang="ru-RU"/>
+              <a:endParaRPr lang="ru-RU" dirty="0"/>
             </a:p>
           </p:txBody>
         </p:sp>
@@ -17081,7 +18541,7 @@
                 <a:buNone/>
               </a:pPr>
               <a:r>
-                <a:rPr lang="ru-RU" altLang="ru-RU"/>
+                <a:rPr lang="ru-RU" altLang="ru-RU" dirty="0"/>
                 <a:t>Вопрос</a:t>
               </a:r>
             </a:p>
@@ -17492,7 +18952,7 @@
                 <a:buNone/>
               </a:pPr>
               <a:r>
-                <a:rPr lang="ru-RU" altLang="ru-RU"/>
+                <a:rPr lang="ru-RU" altLang="ru-RU" dirty="0"/>
                 <a:t>Ответ</a:t>
               </a:r>
             </a:p>
@@ -17583,7 +19043,7 @@
               <a:t>Три основных пути к построению </a:t>
             </a:r>
             <a:r>
-              <a:rPr lang="en-US" dirty="0" err="1" smtClean="0"/>
+              <a:rPr lang="en-US" dirty="0" smtClean="0"/>
               <a:t>AGI</a:t>
             </a:r>
             <a:r>
